--- a/Courses/Computer-Modeling-and-IT/Computer-Modeling-and-IT-5-Class/27-Charts-and-Layout-of-Cells-and-Data/27-Charts-and-Layout-of-Cells-and-Data.pptx
+++ b/Courses/Computer-Modeling-and-IT/Computer-Modeling-and-IT-5-Class/27-Charts-and-Layout-of-Cells-and-Data/27-Charts-and-Layout-of-Cells-and-Data.pptx
@@ -235,17 +235,18 @@
               </a:defRPr>
             </a:pPr>
             <a:r>
-              <a:rPr lang="bg-BG"/>
+              <a:rPr lang="bg-BG" sz="1900" dirty="0"/>
               <a:t>Намаляване</a:t>
             </a:r>
             <a:r>
-              <a:rPr lang="bg-BG" baseline="0"/>
+              <a:rPr lang="bg-BG" sz="1900" baseline="0" dirty="0"/>
               <a:t> на населението в периода 2013-2017г.</a:t>
             </a:r>
-            <a:endParaRPr lang="bg-BG"/>
+            <a:endParaRPr lang="bg-BG" sz="1900" dirty="0"/>
           </a:p>
         </c:rich>
       </c:tx>
+      <c:layout/>
       <c:overlay val="0"/>
       <c:spPr>
         <a:noFill/>
@@ -615,6 +616,16 @@
     </c:plotArea>
     <c:legend>
       <c:legendPos val="t"/>
+      <c:layout>
+        <c:manualLayout>
+          <c:xMode val="edge"/>
+          <c:yMode val="edge"/>
+          <c:x val="0.33148512987600687"/>
+          <c:y val="8.834341815057549E-2"/>
+          <c:w val="0.33702959543850119"/>
+          <c:h val="4.4910493972684554E-2"/>
+        </c:manualLayout>
+      </c:layout>
       <c:overlay val="0"/>
       <c:spPr>
         <a:noFill/>
@@ -712,6 +723,7 @@
           </a:p>
         </c:rich>
       </c:tx>
+      <c:layout/>
       <c:overlay val="0"/>
       <c:spPr>
         <a:noFill/>
@@ -1186,6 +1198,7 @@
     </c:plotArea>
     <c:legend>
       <c:legendPos val="b"/>
+      <c:layout/>
       <c:overlay val="0"/>
       <c:spPr>
         <a:noFill/>
@@ -2422,7 +2435,7 @@
           <a:p>
             <a:fld id="{4E087215-0C8F-4762-A664-737A353EC9A4}" type="datetimeFigureOut">
               <a:rPr lang="bg-BG" smtClean="0"/>
-              <a:t>19.10.2023 г.</a:t>
+              <a:t>7.1.2024 г.</a:t>
             </a:fld>
             <a:endParaRPr lang="bg-BG"/>
           </a:p>
@@ -2618,7 +2631,7 @@
           <a:p>
             <a:fld id="{72D84649-876A-46C9-8472-14CB09C070D8}" type="datetimeFigureOut">
               <a:rPr lang="en-US" smtClean="0"/>
-              <a:t>10/19/2023</a:t>
+              <a:t>1/7/2024</a:t>
             </a:fld>
             <a:endParaRPr lang="en-US"/>
           </a:p>
@@ -9613,7 +9626,7 @@
       </p:sp>
       <p:pic>
         <p:nvPicPr>
-          <p:cNvPr id="5" name="Picture 4"/>
+          <p:cNvPr id="8" name="Picture 7"/>
           <p:cNvPicPr>
             <a:picLocks noChangeAspect="1"/>
           </p:cNvPicPr>
@@ -9633,14 +9646,84 @@
         </p:blipFill>
         <p:spPr>
           <a:xfrm>
-            <a:off x="0" y="1092500"/>
-            <a:ext cx="12192000" cy="6552162"/>
+            <a:off x="691147" y="1255500"/>
+            <a:ext cx="10429275" cy="5604847"/>
           </a:xfrm>
           <a:prstGeom prst="rect">
             <a:avLst/>
           </a:prstGeom>
+          <a:ln>
+            <a:solidFill>
+              <a:schemeClr val="bg2">
+                <a:lumMod val="75000"/>
+              </a:schemeClr>
+            </a:solidFill>
+          </a:ln>
         </p:spPr>
       </p:pic>
+      <p:sp>
+        <p:nvSpPr>
+          <p:cNvPr id="9" name="Rectangle 8"/>
+          <p:cNvSpPr/>
+          <p:nvPr/>
+        </p:nvSpPr>
+        <p:spPr bwMode="auto">
+          <a:xfrm>
+            <a:off x="695999" y="6736500"/>
+            <a:ext cx="10424423" cy="121500"/>
+          </a:xfrm>
+          <a:prstGeom prst="rect">
+            <a:avLst/>
+          </a:prstGeom>
+          <a:solidFill>
+            <a:schemeClr val="bg2"/>
+          </a:solidFill>
+          <a:ln w="19050">
+            <a:noFill/>
+          </a:ln>
+          <a:effectLst/>
+        </p:spPr>
+        <p:style>
+          <a:lnRef idx="2">
+            <a:schemeClr val="accent1">
+              <a:shade val="50000"/>
+            </a:schemeClr>
+          </a:lnRef>
+          <a:fillRef idx="1001">
+            <a:schemeClr val="dk2"/>
+          </a:fillRef>
+          <a:effectRef idx="0">
+            <a:schemeClr val="accent1"/>
+          </a:effectRef>
+          <a:fontRef idx="minor">
+            <a:schemeClr val="lt1"/>
+          </a:fontRef>
+        </p:style>
+        <p:txBody>
+          <a:bodyPr rot="0" spcFirstLastPara="0" vertOverflow="overflow" horzOverflow="overflow" vert="horz" wrap="square" lIns="91440" tIns="45720" rIns="91440" bIns="45720" numCol="1" spcCol="0" rtlCol="0" fromWordArt="0" anchor="ctr" anchorCtr="0" forceAA="0" compatLnSpc="1">
+            <a:prstTxWarp prst="textNoShape">
+              <a:avLst/>
+            </a:prstTxWarp>
+            <a:noAutofit/>
+          </a:bodyPr>
+          <a:lstStyle/>
+          <a:p>
+            <a:pPr algn="ctr"/>
+            <a:endParaRPr lang="en-US" sz="2800" b="1" dirty="0">
+              <a:solidFill>
+                <a:srgbClr val="FFFFFF"/>
+              </a:solidFill>
+              <a:effectLst>
+                <a:outerShdw blurRad="38100" dist="38100" dir="2700000" algn="tl">
+                  <a:srgbClr val="000000">
+                    <a:alpha val="43137"/>
+                  </a:srgbClr>
+                </a:outerShdw>
+              </a:effectLst>
+            </a:endParaRPr>
+          </a:p>
+        </p:txBody>
+      </p:sp>
     </p:spTree>
     <p:extLst>
       <p:ext uri="{BB962C8B-B14F-4D97-AF65-F5344CB8AC3E}">
@@ -9722,38 +9805,6 @@
               <a:t>Диаграми</a:t>
             </a:r>
             <a:endParaRPr lang="en-US" dirty="0"/>
-          </a:p>
-        </p:txBody>
-      </p:sp>
-      <p:sp>
-        <p:nvSpPr>
-          <p:cNvPr id="2" name="Slide Number Placeholder 1"/>
-          <p:cNvSpPr>
-            <a:spLocks noGrp="1"/>
-          </p:cNvSpPr>
-          <p:nvPr>
-            <p:ph type="sldNum" sz="quarter" idx="4294967295"/>
-          </p:nvPr>
-        </p:nvSpPr>
-        <p:spPr>
-          <a:xfrm>
-            <a:off x="11823700" y="6507163"/>
-            <a:ext cx="368300" cy="296862"/>
-          </a:xfrm>
-          <a:prstGeom prst="rect">
-            <a:avLst/>
-          </a:prstGeom>
-        </p:spPr>
-        <p:txBody>
-          <a:bodyPr/>
-          <a:lstStyle/>
-          <a:p>
-            <a:fld id="{2BF067CD-8E6B-4360-9AA8-C5DF2A48A6D1}" type="slidenum">
-              <a:rPr lang="en-US" noProof="0" smtClean="0"/>
-              <a:pPr/>
-              <a:t>11</a:t>
-            </a:fld>
-            <a:endParaRPr lang="en-US" noProof="0" dirty="0"/>
           </a:p>
         </p:txBody>
       </p:sp>
@@ -10254,14 +10305,14 @@
           <p:nvPr>
             <p:extLst>
               <p:ext uri="{D42A27DB-BD31-4B8C-83A1-F6EECF244321}">
-                <p14:modId xmlns:p14="http://schemas.microsoft.com/office/powerpoint/2010/main" val="2683051181"/>
+                <p14:modId xmlns:p14="http://schemas.microsoft.com/office/powerpoint/2010/main" val="4284586480"/>
               </p:ext>
             </p:extLst>
           </p:nvPr>
         </p:nvGraphicFramePr>
         <p:xfrm>
-          <a:off x="2638105" y="1764369"/>
-          <a:ext cx="6905625" cy="4772025"/>
+          <a:off x="2638106" y="1764369"/>
+          <a:ext cx="6786020" cy="4772025"/>
         </p:xfrm>
         <a:graphic>
           <a:graphicData uri="http://schemas.openxmlformats.org/drawingml/2006/chart">
@@ -10398,8 +10449,8 @@
         </p:nvSpPr>
         <p:spPr bwMode="auto">
           <a:xfrm>
-            <a:off x="4097127" y="1808410"/>
-            <a:ext cx="4005000" cy="315000"/>
+            <a:off x="3351000" y="1808409"/>
+            <a:ext cx="5400000" cy="372507"/>
           </a:xfrm>
           <a:prstGeom prst="rect">
             <a:avLst/>
@@ -10464,13 +10515,13 @@
         </p:nvSpPr>
         <p:spPr bwMode="auto">
           <a:xfrm>
-            <a:off x="1146000" y="1246500"/>
+            <a:off x="600116" y="1290910"/>
             <a:ext cx="1845000" cy="675000"/>
           </a:xfrm>
           <a:prstGeom prst="wedgeRoundRectCallout">
             <a:avLst>
-              <a:gd name="adj1" fmla="val 102833"/>
-              <a:gd name="adj2" fmla="val 50889"/>
+              <a:gd name="adj1" fmla="val 89410"/>
+              <a:gd name="adj2" fmla="val 49948"/>
               <a:gd name="adj3" fmla="val 16667"/>
             </a:avLst>
           </a:prstGeom>
@@ -10619,13 +10670,13 @@
         </p:nvSpPr>
         <p:spPr bwMode="auto">
           <a:xfrm>
-            <a:off x="9363069" y="2816010"/>
+            <a:off x="9258844" y="2302942"/>
             <a:ext cx="2739445" cy="1334371"/>
           </a:xfrm>
           <a:prstGeom prst="wedgeRoundRectCallout">
             <a:avLst>
-              <a:gd name="adj1" fmla="val -46214"/>
-              <a:gd name="adj2" fmla="val 72399"/>
+              <a:gd name="adj1" fmla="val -41578"/>
+              <a:gd name="adj2" fmla="val 84772"/>
               <a:gd name="adj3" fmla="val 16667"/>
             </a:avLst>
           </a:prstGeom>
@@ -10708,8 +10759,8 @@
         </p:nvSpPr>
         <p:spPr bwMode="auto">
           <a:xfrm>
-            <a:off x="4097382" y="2114715"/>
-            <a:ext cx="4005000" cy="315000"/>
+            <a:off x="4097382" y="2181397"/>
+            <a:ext cx="4005000" cy="248317"/>
           </a:xfrm>
           <a:prstGeom prst="rect">
             <a:avLst/>
@@ -10774,13 +10825,13 @@
         </p:nvSpPr>
         <p:spPr bwMode="auto">
           <a:xfrm>
-            <a:off x="8822580" y="1290190"/>
+            <a:off x="9424125" y="1290910"/>
             <a:ext cx="1845000" cy="675000"/>
           </a:xfrm>
           <a:prstGeom prst="wedgeRoundRectCallout">
             <a:avLst>
-              <a:gd name="adj1" fmla="val -83750"/>
-              <a:gd name="adj2" fmla="val 97373"/>
+              <a:gd name="adj1" fmla="val -113349"/>
+              <a:gd name="adj2" fmla="val 101136"/>
               <a:gd name="adj3" fmla="val 16667"/>
             </a:avLst>
           </a:prstGeom>
@@ -11506,56 +11557,9 @@
           <a:chExt cx="0" cy="0"/>
         </a:xfrm>
       </p:grpSpPr>
-      <p:sp>
-        <p:nvSpPr>
-          <p:cNvPr id="2" name="Slide Number Placeholder 1"/>
-          <p:cNvSpPr>
-            <a:spLocks noGrp="1"/>
-          </p:cNvSpPr>
-          <p:nvPr>
-            <p:ph type="sldNum" sz="quarter" idx="5"/>
-          </p:nvPr>
-        </p:nvSpPr>
-        <p:spPr/>
-        <p:txBody>
-          <a:bodyPr/>
-          <a:lstStyle/>
-          <a:p>
-            <a:fld id="{2BF067CD-8E6B-4360-9AA8-C5DF2A48A6D1}" type="slidenum">
-              <a:rPr lang="en-US" noProof="0" smtClean="0"/>
-              <a:pPr/>
-              <a:t>14</a:t>
-            </a:fld>
-            <a:endParaRPr lang="en-US" noProof="0" dirty="0"/>
-          </a:p>
-        </p:txBody>
-      </p:sp>
-      <p:sp>
-        <p:nvSpPr>
-          <p:cNvPr id="4" name="Title 3"/>
-          <p:cNvSpPr>
-            <a:spLocks noGrp="1"/>
-          </p:cNvSpPr>
-          <p:nvPr>
-            <p:ph type="title"/>
-          </p:nvPr>
-        </p:nvSpPr>
-        <p:spPr/>
-        <p:txBody>
-          <a:bodyPr/>
-          <a:lstStyle/>
-          <a:p>
-            <a:r>
-              <a:rPr lang="bg-BG" dirty="0"/>
-              <a:t>Създаване на диаграми</a:t>
-            </a:r>
-            <a:endParaRPr lang="en-US" dirty="0"/>
-          </a:p>
-        </p:txBody>
-      </p:sp>
       <p:pic>
         <p:nvPicPr>
-          <p:cNvPr id="5" name="Picture 4"/>
+          <p:cNvPr id="8" name="Picture 7"/>
           <p:cNvPicPr>
             <a:picLocks noChangeAspect="1"/>
           </p:cNvPicPr>
@@ -11574,14 +11578,68 @@
         </p:blipFill>
         <p:spPr>
           <a:xfrm>
-            <a:off x="0" y="1089000"/>
-            <a:ext cx="12192000" cy="5805000"/>
+            <a:off x="426000" y="1269000"/>
+            <a:ext cx="11340000" cy="5399335"/>
           </a:xfrm>
           <a:prstGeom prst="rect">
             <a:avLst/>
           </a:prstGeom>
+          <a:ln>
+            <a:solidFill>
+              <a:schemeClr val="bg2">
+                <a:lumMod val="75000"/>
+              </a:schemeClr>
+            </a:solidFill>
+          </a:ln>
         </p:spPr>
       </p:pic>
+      <p:sp>
+        <p:nvSpPr>
+          <p:cNvPr id="2" name="Slide Number Placeholder 1"/>
+          <p:cNvSpPr>
+            <a:spLocks noGrp="1"/>
+          </p:cNvSpPr>
+          <p:nvPr>
+            <p:ph type="sldNum" sz="quarter" idx="5"/>
+          </p:nvPr>
+        </p:nvSpPr>
+        <p:spPr/>
+        <p:txBody>
+          <a:bodyPr/>
+          <a:lstStyle/>
+          <a:p>
+            <a:fld id="{2BF067CD-8E6B-4360-9AA8-C5DF2A48A6D1}" type="slidenum">
+              <a:rPr lang="en-US" noProof="0" smtClean="0"/>
+              <a:pPr/>
+              <a:t>14</a:t>
+            </a:fld>
+            <a:endParaRPr lang="en-US" noProof="0" dirty="0"/>
+          </a:p>
+        </p:txBody>
+      </p:sp>
+      <p:sp>
+        <p:nvSpPr>
+          <p:cNvPr id="4" name="Title 3"/>
+          <p:cNvSpPr>
+            <a:spLocks noGrp="1"/>
+          </p:cNvSpPr>
+          <p:nvPr>
+            <p:ph type="title"/>
+          </p:nvPr>
+        </p:nvSpPr>
+        <p:spPr/>
+        <p:txBody>
+          <a:bodyPr/>
+          <a:lstStyle/>
+          <a:p>
+            <a:r>
+              <a:rPr lang="bg-BG" dirty="0"/>
+              <a:t>Създаване на диаграми</a:t>
+            </a:r>
+            <a:endParaRPr lang="en-US" dirty="0"/>
+          </a:p>
+        </p:txBody>
+      </p:sp>
       <p:sp>
         <p:nvSpPr>
           <p:cNvPr id="6" name="Rounded Rectangular Callout 5"/>
@@ -11590,7 +11648,7 @@
         </p:nvSpPr>
         <p:spPr bwMode="auto">
           <a:xfrm>
-            <a:off x="4116000" y="3024000"/>
+            <a:off x="4341000" y="3024000"/>
             <a:ext cx="6570000" cy="1710000"/>
           </a:xfrm>
           <a:prstGeom prst="wedgeRoundRectCallout">
@@ -11820,6 +11878,42 @@
           <a:chExt cx="0" cy="0"/>
         </a:xfrm>
       </p:grpSpPr>
+      <p:pic>
+        <p:nvPicPr>
+          <p:cNvPr id="9" name="Picture 8"/>
+          <p:cNvPicPr>
+            <a:picLocks noChangeAspect="1"/>
+          </p:cNvPicPr>
+          <p:nvPr/>
+        </p:nvPicPr>
+        <p:blipFill rotWithShape="1">
+          <a:blip r:embed="rId2">
+            <a:extLst>
+              <a:ext uri="{28A0092B-C50C-407E-A947-70E740481C1C}">
+                <a14:useLocalDpi xmlns:a14="http://schemas.microsoft.com/office/drawing/2010/main" val="0"/>
+              </a:ext>
+            </a:extLst>
+          </a:blip>
+          <a:srcRect b="15532"/>
+          <a:stretch/>
+        </p:blipFill>
+        <p:spPr>
+          <a:xfrm>
+            <a:off x="426000" y="1269000"/>
+            <a:ext cx="11340000" cy="5399335"/>
+          </a:xfrm>
+          <a:prstGeom prst="rect">
+            <a:avLst/>
+          </a:prstGeom>
+          <a:ln>
+            <a:solidFill>
+              <a:schemeClr val="bg2">
+                <a:lumMod val="75000"/>
+              </a:schemeClr>
+            </a:solidFill>
+          </a:ln>
+        </p:spPr>
+      </p:pic>
       <p:sp>
         <p:nvSpPr>
           <p:cNvPr id="2" name="Slide Number Placeholder 1"/>
@@ -11867,35 +11961,6 @@
           </a:p>
         </p:txBody>
       </p:sp>
-      <p:pic>
-        <p:nvPicPr>
-          <p:cNvPr id="5" name="Picture 4"/>
-          <p:cNvPicPr>
-            <a:picLocks noChangeAspect="1"/>
-          </p:cNvPicPr>
-          <p:nvPr/>
-        </p:nvPicPr>
-        <p:blipFill rotWithShape="1">
-          <a:blip r:embed="rId2">
-            <a:extLst>
-              <a:ext uri="{28A0092B-C50C-407E-A947-70E740481C1C}">
-                <a14:useLocalDpi xmlns:a14="http://schemas.microsoft.com/office/drawing/2010/main" val="0"/>
-              </a:ext>
-            </a:extLst>
-          </a:blip>
-          <a:srcRect b="14854"/>
-          <a:stretch/>
-        </p:blipFill>
-        <p:spPr>
-          <a:xfrm>
-            <a:off x="0" y="1099695"/>
-            <a:ext cx="12192000" cy="5839305"/>
-          </a:xfrm>
-          <a:prstGeom prst="rect">
-            <a:avLst/>
-          </a:prstGeom>
-        </p:spPr>
-      </p:pic>
       <p:sp>
         <p:nvSpPr>
           <p:cNvPr id="6" name="Rounded Rectangular Callout 5"/>
@@ -11904,8 +11969,8 @@
         </p:nvSpPr>
         <p:spPr bwMode="auto">
           <a:xfrm>
-            <a:off x="5241000" y="3294000"/>
-            <a:ext cx="4635000" cy="1665000"/>
+            <a:off x="5389203" y="3429000"/>
+            <a:ext cx="4365000" cy="1665000"/>
           </a:xfrm>
           <a:prstGeom prst="wedgeRoundRectCallout">
             <a:avLst>
@@ -12062,8 +12127,8 @@
         </p:nvSpPr>
         <p:spPr bwMode="auto">
           <a:xfrm>
-            <a:off x="4611000" y="1449001"/>
-            <a:ext cx="1620000" cy="630000"/>
+            <a:off x="4701000" y="1584000"/>
+            <a:ext cx="1530000" cy="630000"/>
           </a:xfrm>
           <a:prstGeom prst="rect">
             <a:avLst/>
@@ -12282,56 +12347,9 @@
           <a:chExt cx="0" cy="0"/>
         </a:xfrm>
       </p:grpSpPr>
-      <p:sp>
-        <p:nvSpPr>
-          <p:cNvPr id="2" name="Slide Number Placeholder 1"/>
-          <p:cNvSpPr>
-            <a:spLocks noGrp="1"/>
-          </p:cNvSpPr>
-          <p:nvPr>
-            <p:ph type="sldNum" sz="quarter" idx="5"/>
-          </p:nvPr>
-        </p:nvSpPr>
-        <p:spPr/>
-        <p:txBody>
-          <a:bodyPr/>
-          <a:lstStyle/>
-          <a:p>
-            <a:fld id="{2BF067CD-8E6B-4360-9AA8-C5DF2A48A6D1}" type="slidenum">
-              <a:rPr lang="en-US" noProof="0" smtClean="0"/>
-              <a:pPr/>
-              <a:t>16</a:t>
-            </a:fld>
-            <a:endParaRPr lang="en-US" noProof="0" dirty="0"/>
-          </a:p>
-        </p:txBody>
-      </p:sp>
-      <p:sp>
-        <p:nvSpPr>
-          <p:cNvPr id="4" name="Title 3"/>
-          <p:cNvSpPr>
-            <a:spLocks noGrp="1"/>
-          </p:cNvSpPr>
-          <p:nvPr>
-            <p:ph type="title"/>
-          </p:nvPr>
-        </p:nvSpPr>
-        <p:spPr/>
-        <p:txBody>
-          <a:bodyPr/>
-          <a:lstStyle/>
-          <a:p>
-            <a:r>
-              <a:rPr lang="bg-BG" dirty="0"/>
-              <a:t>Създаване на диаграми</a:t>
-            </a:r>
-            <a:endParaRPr lang="en-US" dirty="0"/>
-          </a:p>
-        </p:txBody>
-      </p:sp>
       <p:pic>
         <p:nvPicPr>
-          <p:cNvPr id="5" name="Picture 4"/>
+          <p:cNvPr id="6" name="Picture 5"/>
           <p:cNvPicPr>
             <a:picLocks noChangeAspect="1"/>
           </p:cNvPicPr>
@@ -12350,14 +12368,68 @@
         </p:blipFill>
         <p:spPr>
           <a:xfrm>
-            <a:off x="0" y="1097709"/>
-            <a:ext cx="12192000" cy="5760000"/>
+            <a:off x="426000" y="1269000"/>
+            <a:ext cx="11327030" cy="5399335"/>
           </a:xfrm>
           <a:prstGeom prst="rect">
             <a:avLst/>
           </a:prstGeom>
+          <a:ln>
+            <a:solidFill>
+              <a:schemeClr val="bg2">
+                <a:lumMod val="75000"/>
+              </a:schemeClr>
+            </a:solidFill>
+          </a:ln>
         </p:spPr>
       </p:pic>
+      <p:sp>
+        <p:nvSpPr>
+          <p:cNvPr id="2" name="Slide Number Placeholder 1"/>
+          <p:cNvSpPr>
+            <a:spLocks noGrp="1"/>
+          </p:cNvSpPr>
+          <p:nvPr>
+            <p:ph type="sldNum" sz="quarter" idx="5"/>
+          </p:nvPr>
+        </p:nvSpPr>
+        <p:spPr/>
+        <p:txBody>
+          <a:bodyPr/>
+          <a:lstStyle/>
+          <a:p>
+            <a:fld id="{2BF067CD-8E6B-4360-9AA8-C5DF2A48A6D1}" type="slidenum">
+              <a:rPr lang="en-US" noProof="0" smtClean="0"/>
+              <a:pPr/>
+              <a:t>16</a:t>
+            </a:fld>
+            <a:endParaRPr lang="en-US" noProof="0" dirty="0"/>
+          </a:p>
+        </p:txBody>
+      </p:sp>
+      <p:sp>
+        <p:nvSpPr>
+          <p:cNvPr id="4" name="Title 3"/>
+          <p:cNvSpPr>
+            <a:spLocks noGrp="1"/>
+          </p:cNvSpPr>
+          <p:nvPr>
+            <p:ph type="title"/>
+          </p:nvPr>
+        </p:nvSpPr>
+        <p:spPr/>
+        <p:txBody>
+          <a:bodyPr/>
+          <a:lstStyle/>
+          <a:p>
+            <a:r>
+              <a:rPr lang="bg-BG" dirty="0"/>
+              <a:t>Създаване на диаграми</a:t>
+            </a:r>
+            <a:endParaRPr lang="en-US" dirty="0"/>
+          </a:p>
+        </p:txBody>
+      </p:sp>
       <p:sp>
         <p:nvSpPr>
           <p:cNvPr id="7" name="Rounded Rectangular Callout 6"/>
@@ -12495,6 +12567,84 @@
       <p:transition spd="slow" advClick="0" advTm="5000"/>
     </mc:Fallback>
   </mc:AlternateContent>
+  <p:timing>
+    <p:tnLst>
+      <p:par>
+        <p:cTn id="1" dur="indefinite" restart="never" nodeType="tmRoot">
+          <p:childTnLst>
+            <p:seq concurrent="1" nextAc="seek">
+              <p:cTn id="2" dur="indefinite" nodeType="mainSeq">
+                <p:childTnLst>
+                  <p:par>
+                    <p:cTn id="3" fill="hold">
+                      <p:stCondLst>
+                        <p:cond delay="indefinite"/>
+                      </p:stCondLst>
+                      <p:childTnLst>
+                        <p:par>
+                          <p:cTn id="4" fill="hold">
+                            <p:stCondLst>
+                              <p:cond delay="0"/>
+                            </p:stCondLst>
+                            <p:childTnLst>
+                              <p:par>
+                                <p:cTn id="5" presetID="1" presetClass="entr" presetSubtype="0" fill="hold" grpId="0" nodeType="clickEffect">
+                                  <p:stCondLst>
+                                    <p:cond delay="0"/>
+                                  </p:stCondLst>
+                                  <p:childTnLst>
+                                    <p:set>
+                                      <p:cBhvr>
+                                        <p:cTn id="6" dur="1" fill="hold">
+                                          <p:stCondLst>
+                                            <p:cond delay="0"/>
+                                          </p:stCondLst>
+                                        </p:cTn>
+                                        <p:tgtEl>
+                                          <p:spTgt spid="7"/>
+                                        </p:tgtEl>
+                                        <p:attrNameLst>
+                                          <p:attrName>style.visibility</p:attrName>
+                                        </p:attrNameLst>
+                                      </p:cBhvr>
+                                      <p:to>
+                                        <p:strVal val="visible"/>
+                                      </p:to>
+                                    </p:set>
+                                  </p:childTnLst>
+                                </p:cTn>
+                              </p:par>
+                            </p:childTnLst>
+                          </p:cTn>
+                        </p:par>
+                      </p:childTnLst>
+                    </p:cTn>
+                  </p:par>
+                </p:childTnLst>
+              </p:cTn>
+              <p:prevCondLst>
+                <p:cond evt="onPrev" delay="0">
+                  <p:tgtEl>
+                    <p:sldTgt/>
+                  </p:tgtEl>
+                </p:cond>
+              </p:prevCondLst>
+              <p:nextCondLst>
+                <p:cond evt="onNext" delay="0">
+                  <p:tgtEl>
+                    <p:sldTgt/>
+                  </p:tgtEl>
+                </p:cond>
+              </p:nextCondLst>
+            </p:seq>
+          </p:childTnLst>
+        </p:cTn>
+      </p:par>
+    </p:tnLst>
+    <p:bldLst>
+      <p:bldP spid="7" grpId="0" animBg="1"/>
+    </p:bldLst>
+  </p:timing>
 </p:sld>
 </file>
 
@@ -12540,38 +12690,6 @@
               <a:t>Видове диаграми</a:t>
             </a:r>
             <a:endParaRPr lang="en-US" dirty="0"/>
-          </a:p>
-        </p:txBody>
-      </p:sp>
-      <p:sp>
-        <p:nvSpPr>
-          <p:cNvPr id="2" name="Slide Number Placeholder 1"/>
-          <p:cNvSpPr>
-            <a:spLocks noGrp="1"/>
-          </p:cNvSpPr>
-          <p:nvPr>
-            <p:ph type="sldNum" sz="quarter" idx="4294967295"/>
-          </p:nvPr>
-        </p:nvSpPr>
-        <p:spPr>
-          <a:xfrm>
-            <a:off x="11823700" y="6507163"/>
-            <a:ext cx="368300" cy="296862"/>
-          </a:xfrm>
-          <a:prstGeom prst="rect">
-            <a:avLst/>
-          </a:prstGeom>
-        </p:spPr>
-        <p:txBody>
-          <a:bodyPr/>
-          <a:lstStyle/>
-          <a:p>
-            <a:fld id="{2BF067CD-8E6B-4360-9AA8-C5DF2A48A6D1}" type="slidenum">
-              <a:rPr lang="en-US" noProof="0" smtClean="0"/>
-              <a:pPr/>
-              <a:t>17</a:t>
-            </a:fld>
-            <a:endParaRPr lang="en-US" noProof="0" dirty="0"/>
           </a:p>
         </p:txBody>
       </p:sp>
@@ -12623,6 +12741,13 @@
       <p:transition spd="slow" advClick="0" advTm="5000"/>
     </mc:Fallback>
   </mc:AlternateContent>
+  <p:timing>
+    <p:tnLst>
+      <p:par>
+        <p:cTn id="1" dur="indefinite" restart="never" nodeType="tmRoot"/>
+      </p:par>
+    </p:tnLst>
+  </p:timing>
 </p:sld>
 </file>
 
@@ -15495,7 +15620,7 @@
                 <a:hlinkClick r:id="rId3">
                   <a:extLst>
                     <a:ext uri="{A12FA001-AC4F-418D-AE19-62706E023703}">
-                      <ahyp:hlinkClr xmlns="" xmlns:ahyp="http://schemas.microsoft.com/office/drawing/2018/hyperlinkcolor" val="tx"/>
+                      <ahyp:hlinkClr xmlns:ahyp="http://schemas.microsoft.com/office/drawing/2018/hyperlinkcolor" xmlns="" val="tx"/>
                     </a:ext>
                   </a:extLst>
                 </a:hlinkClick>
@@ -15999,38 +16124,6 @@
               <a:rPr lang="en-US" dirty="0"/>
               <a:t>Excel</a:t>
             </a:r>
-          </a:p>
-        </p:txBody>
-      </p:sp>
-      <p:sp>
-        <p:nvSpPr>
-          <p:cNvPr id="2" name="Slide Number Placeholder 1"/>
-          <p:cNvSpPr>
-            <a:spLocks noGrp="1"/>
-          </p:cNvSpPr>
-          <p:nvPr>
-            <p:ph type="sldNum" sz="quarter" idx="4294967295"/>
-          </p:nvPr>
-        </p:nvSpPr>
-        <p:spPr>
-          <a:xfrm>
-            <a:off x="11823700" y="6507163"/>
-            <a:ext cx="368300" cy="296862"/>
-          </a:xfrm>
-          <a:prstGeom prst="rect">
-            <a:avLst/>
-          </a:prstGeom>
-        </p:spPr>
-        <p:txBody>
-          <a:bodyPr/>
-          <a:lstStyle/>
-          <a:p>
-            <a:fld id="{2BF067CD-8E6B-4360-9AA8-C5DF2A48A6D1}" type="slidenum">
-              <a:rPr lang="en-US" noProof="0" smtClean="0"/>
-              <a:pPr/>
-              <a:t>3</a:t>
-            </a:fld>
-            <a:endParaRPr lang="en-US" noProof="0"/>
           </a:p>
         </p:txBody>
       </p:sp>
@@ -20365,25 +20458,6 @@
       </p:sp>
       <p:sp>
         <p:nvSpPr>
-          <p:cNvPr id="3" name="Text Placeholder 2"/>
-          <p:cNvSpPr>
-            <a:spLocks noGrp="1"/>
-          </p:cNvSpPr>
-          <p:nvPr>
-            <p:ph type="body" sz="quarter" idx="10"/>
-          </p:nvPr>
-        </p:nvSpPr>
-        <p:spPr/>
-        <p:txBody>
-          <a:bodyPr/>
-          <a:lstStyle/>
-          <a:p>
-            <a:endParaRPr lang="en-US"/>
-          </a:p>
-        </p:txBody>
-      </p:sp>
-      <p:sp>
-        <p:nvSpPr>
           <p:cNvPr id="4" name="Title 3"/>
           <p:cNvSpPr>
             <a:spLocks noGrp="1"/>
@@ -20426,12 +20500,19 @@
         </p:blipFill>
         <p:spPr>
           <a:xfrm>
-            <a:off x="0" y="1065956"/>
-            <a:ext cx="12192000" cy="5819335"/>
+            <a:off x="426000" y="1257900"/>
+            <a:ext cx="11340000" cy="5412669"/>
           </a:xfrm>
           <a:prstGeom prst="rect">
             <a:avLst/>
           </a:prstGeom>
+          <a:ln>
+            <a:solidFill>
+              <a:schemeClr val="bg2">
+                <a:lumMod val="75000"/>
+              </a:schemeClr>
+            </a:solidFill>
+          </a:ln>
         </p:spPr>
       </p:pic>
       <p:sp>
@@ -20620,89 +20701,23 @@
           <a:chExt cx="0" cy="0"/>
         </a:xfrm>
       </p:grpSpPr>
-      <p:sp>
-        <p:nvSpPr>
-          <p:cNvPr id="2" name="Slide Number Placeholder 1"/>
-          <p:cNvSpPr>
-            <a:spLocks noGrp="1"/>
-          </p:cNvSpPr>
-          <p:nvPr>
-            <p:ph type="sldNum" sz="quarter" idx="5"/>
-          </p:nvPr>
-        </p:nvSpPr>
-        <p:spPr/>
-        <p:txBody>
-          <a:bodyPr/>
-          <a:lstStyle/>
-          <a:p>
-            <a:fld id="{2BF067CD-8E6B-4360-9AA8-C5DF2A48A6D1}" type="slidenum">
-              <a:rPr lang="en-US" noProof="0" smtClean="0"/>
-              <a:pPr/>
-              <a:t>9</a:t>
-            </a:fld>
-            <a:endParaRPr lang="en-US" noProof="0" dirty="0"/>
-          </a:p>
-        </p:txBody>
-      </p:sp>
-      <p:sp>
-        <p:nvSpPr>
-          <p:cNvPr id="3" name="Text Placeholder 2"/>
-          <p:cNvSpPr>
-            <a:spLocks noGrp="1"/>
-          </p:cNvSpPr>
-          <p:nvPr>
-            <p:ph type="body" sz="quarter" idx="10"/>
-          </p:nvPr>
-        </p:nvSpPr>
-        <p:spPr/>
-        <p:txBody>
-          <a:bodyPr/>
-          <a:lstStyle/>
-          <a:p>
-            <a:endParaRPr lang="en-US"/>
-          </a:p>
-        </p:txBody>
-      </p:sp>
-      <p:sp>
-        <p:nvSpPr>
-          <p:cNvPr id="4" name="Title 3"/>
-          <p:cNvSpPr>
-            <a:spLocks noGrp="1"/>
-          </p:cNvSpPr>
-          <p:nvPr>
-            <p:ph type="title"/>
-          </p:nvPr>
-        </p:nvSpPr>
-        <p:spPr/>
-        <p:txBody>
-          <a:bodyPr/>
-          <a:lstStyle/>
-          <a:p>
-            <a:r>
-              <a:rPr lang="bg-BG" dirty="0"/>
-              <a:t>Форматиране на подравняване на клетки</a:t>
-            </a:r>
-            <a:endParaRPr lang="en-US" dirty="0"/>
-          </a:p>
-        </p:txBody>
-      </p:sp>
       <p:grpSp>
         <p:nvGrpSpPr>
-          <p:cNvPr id="10" name="Group 9"/>
+          <p:cNvPr id="19" name="Group 18"/>
           <p:cNvGrpSpPr/>
           <p:nvPr/>
         </p:nvGrpSpPr>
         <p:grpSpPr>
           <a:xfrm>
-            <a:off x="0" y="1067041"/>
-            <a:ext cx="12192000" cy="5781959"/>
+            <a:off x="426001" y="1257900"/>
+            <a:ext cx="11340000" cy="5412669"/>
             <a:chOff x="0" y="1067041"/>
             <a:chExt cx="12192000" cy="5781959"/>
           </a:xfrm>
         </p:grpSpPr>
         <p:pic>
           <p:nvPicPr>
-            <p:cNvPr id="5" name="Picture 4"/>
+            <p:cNvPr id="20" name="Picture 19"/>
             <p:cNvPicPr>
               <a:picLocks noChangeAspect="1"/>
             </p:cNvPicPr>
@@ -20727,11 +20742,18 @@
             <a:prstGeom prst="rect">
               <a:avLst/>
             </a:prstGeom>
+            <a:ln>
+              <a:solidFill>
+                <a:schemeClr val="bg2">
+                  <a:lumMod val="75000"/>
+                </a:schemeClr>
+              </a:solidFill>
+            </a:ln>
           </p:spPr>
         </p:pic>
         <p:pic>
           <p:nvPicPr>
-            <p:cNvPr id="9" name="Picture 8"/>
+            <p:cNvPr id="21" name="Picture 20"/>
             <p:cNvPicPr>
               <a:picLocks noChangeAspect="1"/>
             </p:cNvPicPr>
@@ -20751,8 +20773,8 @@
           </p:blipFill>
           <p:spPr>
             <a:xfrm>
-              <a:off x="3711000" y="1989000"/>
-              <a:ext cx="5020376" cy="4401164"/>
+              <a:off x="3283749" y="1512973"/>
+              <a:ext cx="6061952" cy="5314271"/>
             </a:xfrm>
             <a:prstGeom prst="rect">
               <a:avLst/>
@@ -20769,14 +20791,61 @@
       </p:grpSp>
       <p:sp>
         <p:nvSpPr>
+          <p:cNvPr id="2" name="Slide Number Placeholder 1"/>
+          <p:cNvSpPr>
+            <a:spLocks noGrp="1"/>
+          </p:cNvSpPr>
+          <p:nvPr>
+            <p:ph type="sldNum" sz="quarter" idx="5"/>
+          </p:nvPr>
+        </p:nvSpPr>
+        <p:spPr/>
+        <p:txBody>
+          <a:bodyPr/>
+          <a:lstStyle/>
+          <a:p>
+            <a:fld id="{2BF067CD-8E6B-4360-9AA8-C5DF2A48A6D1}" type="slidenum">
+              <a:rPr lang="en-US" noProof="0" smtClean="0"/>
+              <a:pPr/>
+              <a:t>9</a:t>
+            </a:fld>
+            <a:endParaRPr lang="en-US" noProof="0" dirty="0"/>
+          </a:p>
+        </p:txBody>
+      </p:sp>
+      <p:sp>
+        <p:nvSpPr>
+          <p:cNvPr id="4" name="Title 3"/>
+          <p:cNvSpPr>
+            <a:spLocks noGrp="1"/>
+          </p:cNvSpPr>
+          <p:nvPr>
+            <p:ph type="title"/>
+          </p:nvPr>
+        </p:nvSpPr>
+        <p:spPr/>
+        <p:txBody>
+          <a:bodyPr/>
+          <a:lstStyle/>
+          <a:p>
+            <a:r>
+              <a:rPr lang="bg-BG" dirty="0"/>
+              <a:t>Форматиране на подравняване на клетки</a:t>
+            </a:r>
+            <a:endParaRPr lang="en-US" dirty="0"/>
+          </a:p>
+        </p:txBody>
+      </p:sp>
+      <p:sp>
+        <p:nvSpPr>
           <p:cNvPr id="11" name="Rectangle 10"/>
           <p:cNvSpPr/>
           <p:nvPr/>
         </p:nvSpPr>
         <p:spPr bwMode="auto">
           <a:xfrm>
-            <a:off x="3814274" y="2620926"/>
-            <a:ext cx="2596726" cy="1213074"/>
+            <a:off x="3592801" y="2359891"/>
+            <a:ext cx="2548199" cy="1362572"/>
           </a:xfrm>
           <a:prstGeom prst="rect">
             <a:avLst/>
@@ -20841,13 +20910,13 @@
         </p:nvSpPr>
         <p:spPr bwMode="auto">
           <a:xfrm>
-            <a:off x="1146000" y="1369891"/>
+            <a:off x="691904" y="1316607"/>
             <a:ext cx="2565000" cy="990000"/>
           </a:xfrm>
           <a:prstGeom prst="wedgeRoundRectCallout">
             <a:avLst>
-              <a:gd name="adj1" fmla="val 53688"/>
-              <a:gd name="adj2" fmla="val 101438"/>
+              <a:gd name="adj1" fmla="val 57649"/>
+              <a:gd name="adj2" fmla="val 114908"/>
               <a:gd name="adj3" fmla="val 16667"/>
             </a:avLst>
           </a:prstGeom>
@@ -20930,8 +20999,8 @@
         </p:nvSpPr>
         <p:spPr bwMode="auto">
           <a:xfrm>
-            <a:off x="3844655" y="3989979"/>
-            <a:ext cx="946345" cy="226498"/>
+            <a:off x="3665999" y="3941418"/>
+            <a:ext cx="1028363" cy="226498"/>
           </a:xfrm>
           <a:prstGeom prst="rect">
             <a:avLst/>
@@ -20996,8 +21065,8 @@
         </p:nvSpPr>
         <p:spPr bwMode="auto">
           <a:xfrm>
-            <a:off x="3844655" y="4352206"/>
-            <a:ext cx="915604" cy="241362"/>
+            <a:off x="3666000" y="4363312"/>
+            <a:ext cx="1028363" cy="241362"/>
           </a:xfrm>
           <a:prstGeom prst="rect">
             <a:avLst/>
@@ -21062,13 +21131,13 @@
         </p:nvSpPr>
         <p:spPr bwMode="auto">
           <a:xfrm>
-            <a:off x="696000" y="2732463"/>
+            <a:off x="503715" y="2670385"/>
             <a:ext cx="2160000" cy="990000"/>
           </a:xfrm>
           <a:prstGeom prst="wedgeRoundRectCallout">
             <a:avLst>
-              <a:gd name="adj1" fmla="val 91041"/>
-              <a:gd name="adj2" fmla="val 82422"/>
+              <a:gd name="adj1" fmla="val 92511"/>
+              <a:gd name="adj2" fmla="val 83705"/>
               <a:gd name="adj3" fmla="val 16667"/>
             </a:avLst>
           </a:prstGeom>
@@ -21151,13 +21220,13 @@
         </p:nvSpPr>
         <p:spPr bwMode="auto">
           <a:xfrm>
-            <a:off x="870700" y="3989979"/>
+            <a:off x="657467" y="3979139"/>
             <a:ext cx="2255299" cy="990000"/>
           </a:xfrm>
           <a:prstGeom prst="wedgeRoundRectCallout">
             <a:avLst>
-              <a:gd name="adj1" fmla="val 78321"/>
-              <a:gd name="adj2" fmla="val 6358"/>
+              <a:gd name="adj1" fmla="val 79447"/>
+              <a:gd name="adj2" fmla="val 1868"/>
               <a:gd name="adj3" fmla="val 16667"/>
             </a:avLst>
           </a:prstGeom>
@@ -21240,8 +21309,8 @@
         </p:nvSpPr>
         <p:spPr bwMode="auto">
           <a:xfrm>
-            <a:off x="7433013" y="2620926"/>
-            <a:ext cx="1182987" cy="1731280"/>
+            <a:off x="7671001" y="2382324"/>
+            <a:ext cx="1260000" cy="1901676"/>
           </a:xfrm>
           <a:prstGeom prst="rect">
             <a:avLst/>
@@ -21306,7 +21375,7 @@
         </p:nvSpPr>
         <p:spPr bwMode="auto">
           <a:xfrm>
-            <a:off x="9077274" y="1989000"/>
+            <a:off x="9458004" y="1877087"/>
             <a:ext cx="2255299" cy="990000"/>
           </a:xfrm>
           <a:prstGeom prst="wedgeRoundRectCallout">

--- a/Courses/Computer-Modeling-and-IT/Computer-Modeling-and-IT-5-Class/27-Charts-and-Layout-of-Cells-and-Data/27-Charts-and-Layout-of-Cells-and-Data.pptx
+++ b/Courses/Computer-Modeling-and-IT/Computer-Modeling-and-IT-5-Class/27-Charts-and-Layout-of-Cells-and-Data/27-Charts-and-Layout-of-Cells-and-Data.pptx
@@ -246,7 +246,6 @@
           </a:p>
         </c:rich>
       </c:tx>
-      <c:layout/>
       <c:overlay val="0"/>
       <c:spPr>
         <a:noFill/>
@@ -723,7 +722,6 @@
           </a:p>
         </c:rich>
       </c:tx>
-      <c:layout/>
       <c:overlay val="0"/>
       <c:spPr>
         <a:noFill/>
@@ -1198,7 +1196,6 @@
     </c:plotArea>
     <c:legend>
       <c:legendPos val="b"/>
-      <c:layout/>
       <c:overlay val="0"/>
       <c:spPr>
         <a:noFill/>
@@ -2435,7 +2432,7 @@
           <a:p>
             <a:fld id="{4E087215-0C8F-4762-A664-737A353EC9A4}" type="datetimeFigureOut">
               <a:rPr lang="bg-BG" smtClean="0"/>
-              <a:t>7.1.2024 г.</a:t>
+              <a:t>18.1.2024 г.</a:t>
             </a:fld>
             <a:endParaRPr lang="bg-BG"/>
           </a:p>
@@ -2631,7 +2628,7 @@
           <a:p>
             <a:fld id="{72D84649-876A-46C9-8472-14CB09C070D8}" type="datetimeFigureOut">
               <a:rPr lang="en-US" smtClean="0"/>
-              <a:t>1/7/2024</a:t>
+              <a:t>18-Jan-24</a:t>
             </a:fld>
             <a:endParaRPr lang="en-US"/>
           </a:p>
@@ -12741,13 +12738,6 @@
       <p:transition spd="slow" advClick="0" advTm="5000"/>
     </mc:Fallback>
   </mc:AlternateContent>
-  <p:timing>
-    <p:tnLst>
-      <p:par>
-        <p:cTn id="1" dur="indefinite" restart="never" nodeType="tmRoot"/>
-      </p:par>
-    </p:tnLst>
-  </p:timing>
 </p:sld>
 </file>
 
@@ -15620,7 +15610,7 @@
                 <a:hlinkClick r:id="rId3">
                   <a:extLst>
                     <a:ext uri="{A12FA001-AC4F-418D-AE19-62706E023703}">
-                      <ahyp:hlinkClr xmlns:ahyp="http://schemas.microsoft.com/office/drawing/2018/hyperlinkcolor" xmlns="" val="tx"/>
+                      <ahyp:hlinkClr xmlns:ahyp="http://schemas.microsoft.com/office/drawing/2018/hyperlinkcolor" val="tx"/>
                     </a:ext>
                   </a:extLst>
                 </a:hlinkClick>
@@ -16127,73 +16117,101 @@
           </a:p>
         </p:txBody>
       </p:sp>
-      <p:pic>
-        <p:nvPicPr>
-          <p:cNvPr id="3" name="Picture 2"/>
-          <p:cNvPicPr>
-            <a:picLocks noChangeAspect="1"/>
-          </p:cNvPicPr>
-          <p:nvPr/>
-        </p:nvPicPr>
-        <p:blipFill>
-          <a:blip r:embed="rId2">
+      <p:grpSp>
+        <p:nvGrpSpPr>
+          <p:cNvPr id="2" name="Group 1">
             <a:extLst>
-              <a:ext uri="{28A0092B-C50C-407E-A947-70E740481C1C}">
-                <a14:useLocalDpi xmlns:a14="http://schemas.microsoft.com/office/drawing/2010/main" val="0"/>
+              <a:ext uri="{FF2B5EF4-FFF2-40B4-BE49-F238E27FC236}">
+                <a16:creationId xmlns:a16="http://schemas.microsoft.com/office/drawing/2014/main" id="{8BA5228F-B59E-0EC0-59BD-54C553807DB9}"/>
               </a:ext>
             </a:extLst>
-          </a:blip>
-          <a:stretch>
-            <a:fillRect/>
-          </a:stretch>
-        </p:blipFill>
-        <p:spPr>
+          </p:cNvPr>
+          <p:cNvGrpSpPr/>
+          <p:nvPr/>
+        </p:nvGrpSpPr>
+        <p:grpSpPr>
           <a:xfrm>
-            <a:off x="3577374" y="1269000"/>
-            <a:ext cx="5037252" cy="2808000"/>
+            <a:off x="2545379" y="819000"/>
+            <a:ext cx="7101241" cy="3958564"/>
+            <a:chOff x="3577374" y="1269000"/>
+            <a:chExt cx="5037252" cy="2808000"/>
           </a:xfrm>
-          <a:prstGeom prst="rect">
-            <a:avLst/>
-          </a:prstGeom>
-          <a:ln>
-            <a:solidFill>
-              <a:schemeClr val="bg2">
-                <a:lumMod val="75000"/>
-              </a:schemeClr>
-            </a:solidFill>
-          </a:ln>
-        </p:spPr>
-      </p:pic>
-      <p:pic>
-        <p:nvPicPr>
-          <p:cNvPr id="4" name="Picture 3"/>
-          <p:cNvPicPr>
-            <a:picLocks noChangeAspect="1"/>
-          </p:cNvPicPr>
-          <p:nvPr/>
-        </p:nvPicPr>
-        <p:blipFill>
-          <a:blip r:embed="rId3" cstate="hqprint">
-            <a:extLst>
-              <a:ext uri="{28A0092B-C50C-407E-A947-70E740481C1C}">
-                <a14:useLocalDpi xmlns:a14="http://schemas.microsoft.com/office/drawing/2010/main" val="0"/>
-              </a:ext>
-            </a:extLst>
-          </a:blip>
-          <a:stretch>
-            <a:fillRect/>
-          </a:stretch>
-        </p:blipFill>
-        <p:spPr>
-          <a:xfrm>
-            <a:off x="5736000" y="1539000"/>
-            <a:ext cx="1234371" cy="1233000"/>
-          </a:xfrm>
-          <a:prstGeom prst="rect">
-            <a:avLst/>
-          </a:prstGeom>
-        </p:spPr>
-      </p:pic>
+        </p:grpSpPr>
+        <p:pic>
+          <p:nvPicPr>
+            <p:cNvPr id="3" name="Picture 2"/>
+            <p:cNvPicPr>
+              <a:picLocks noChangeAspect="1"/>
+            </p:cNvPicPr>
+            <p:nvPr/>
+          </p:nvPicPr>
+          <p:blipFill>
+            <a:blip r:embed="rId2">
+              <a:extLst>
+                <a:ext uri="{28A0092B-C50C-407E-A947-70E740481C1C}">
+                  <a14:useLocalDpi xmlns:a14="http://schemas.microsoft.com/office/drawing/2010/main" val="0"/>
+                </a:ext>
+              </a:extLst>
+            </a:blip>
+            <a:stretch>
+              <a:fillRect/>
+            </a:stretch>
+          </p:blipFill>
+          <p:spPr>
+            <a:xfrm>
+              <a:off x="3577374" y="1269000"/>
+              <a:ext cx="5037252" cy="2808000"/>
+            </a:xfrm>
+            <a:prstGeom prst="rect">
+              <a:avLst/>
+            </a:prstGeom>
+            <a:ln>
+              <a:solidFill>
+                <a:schemeClr val="bg2">
+                  <a:lumMod val="75000"/>
+                </a:schemeClr>
+              </a:solidFill>
+            </a:ln>
+            <a:effectLst>
+              <a:outerShdw blurRad="63500" sx="102000" sy="102000" algn="ctr" rotWithShape="0">
+                <a:prstClr val="black">
+                  <a:alpha val="40000"/>
+                </a:prstClr>
+              </a:outerShdw>
+            </a:effectLst>
+          </p:spPr>
+        </p:pic>
+        <p:pic>
+          <p:nvPicPr>
+            <p:cNvPr id="4" name="Picture 3"/>
+            <p:cNvPicPr>
+              <a:picLocks noChangeAspect="1"/>
+            </p:cNvPicPr>
+            <p:nvPr/>
+          </p:nvPicPr>
+          <p:blipFill>
+            <a:blip r:embed="rId3" cstate="hqprint">
+              <a:extLst>
+                <a:ext uri="{28A0092B-C50C-407E-A947-70E740481C1C}">
+                  <a14:useLocalDpi xmlns:a14="http://schemas.microsoft.com/office/drawing/2010/main" val="0"/>
+                </a:ext>
+              </a:extLst>
+            </a:blip>
+            <a:stretch>
+              <a:fillRect/>
+            </a:stretch>
+          </p:blipFill>
+          <p:spPr>
+            <a:xfrm>
+              <a:off x="5691000" y="1674000"/>
+              <a:ext cx="1234371" cy="1233000"/>
+            </a:xfrm>
+            <a:prstGeom prst="rect">
+              <a:avLst/>
+            </a:prstGeom>
+          </p:spPr>
+        </p:pic>
+      </p:grpSp>
     </p:spTree>
     <p:extLst>
       <p:ext uri="{BB962C8B-B14F-4D97-AF65-F5344CB8AC3E}">

--- a/Courses/Computer-Modeling-and-IT/Computer-Modeling-and-IT-5-Class/27-Charts-and-Layout-of-Cells-and-Data/27-Charts-and-Layout-of-Cells-and-Data.pptx
+++ b/Courses/Computer-Modeling-and-IT/Computer-Modeling-and-IT-5-Class/27-Charts-and-Layout-of-Cells-and-Data/27-Charts-and-Layout-of-Cells-and-Data.pptx
@@ -2432,7 +2432,7 @@
           <a:p>
             <a:fld id="{4E087215-0C8F-4762-A664-737A353EC9A4}" type="datetimeFigureOut">
               <a:rPr lang="bg-BG" smtClean="0"/>
-              <a:t>18.1.2024 г.</a:t>
+              <a:t>23.2.2024 г.</a:t>
             </a:fld>
             <a:endParaRPr lang="bg-BG"/>
           </a:p>
@@ -2628,7 +2628,7 @@
           <a:p>
             <a:fld id="{72D84649-876A-46C9-8472-14CB09C070D8}" type="datetimeFigureOut">
               <a:rPr lang="en-US" smtClean="0"/>
-              <a:t>18-Jan-24</a:t>
+              <a:t>2/23/2024</a:t>
             </a:fld>
             <a:endParaRPr lang="en-US"/>
           </a:p>
@@ -9470,14 +9470,14 @@
       </p:sp>
       <p:pic>
         <p:nvPicPr>
-          <p:cNvPr id="4" name="Picture 3"/>
+          <p:cNvPr id="11" name="Picture 10"/>
           <p:cNvPicPr>
             <a:picLocks noChangeAspect="1"/>
           </p:cNvPicPr>
           <p:nvPr/>
         </p:nvPicPr>
         <p:blipFill>
-          <a:blip r:embed="rId4" cstate="print">
+          <a:blip r:embed="rId4">
             <a:extLst>
               <a:ext uri="{28A0092B-C50C-407E-A947-70E740481C1C}">
                 <a14:useLocalDpi xmlns:a14="http://schemas.microsoft.com/office/drawing/2010/main" val="0"/>
@@ -9490,8 +9490,8 @@
         </p:blipFill>
         <p:spPr>
           <a:xfrm>
-            <a:off x="554746" y="3040926"/>
-            <a:ext cx="1769683" cy="793698"/>
+            <a:off x="8031000" y="2448492"/>
+            <a:ext cx="3085142" cy="2868218"/>
           </a:xfrm>
           <a:prstGeom prst="rect">
             <a:avLst/>
@@ -9500,7 +9500,7 @@
       </p:pic>
       <p:pic>
         <p:nvPicPr>
-          <p:cNvPr id="11" name="Picture 10"/>
+          <p:cNvPr id="3" name="Picture 2"/>
           <p:cNvPicPr>
             <a:picLocks noChangeAspect="1"/>
           </p:cNvPicPr>
@@ -9520,8 +9520,8 @@
         </p:blipFill>
         <p:spPr>
           <a:xfrm>
-            <a:off x="8031000" y="2448492"/>
-            <a:ext cx="3085142" cy="2868218"/>
+            <a:off x="426000" y="3114000"/>
+            <a:ext cx="2113797" cy="946003"/>
           </a:xfrm>
           <a:prstGeom prst="rect">
             <a:avLst/>
@@ -15610,7 +15610,7 @@
                 <a:hlinkClick r:id="rId3">
                   <a:extLst>
                     <a:ext uri="{A12FA001-AC4F-418D-AE19-62706E023703}">
-                      <ahyp:hlinkClr xmlns:ahyp="http://schemas.microsoft.com/office/drawing/2018/hyperlinkcolor" val="tx"/>
+                      <ahyp:hlinkClr xmlns:ahyp="http://schemas.microsoft.com/office/drawing/2018/hyperlinkcolor" xmlns="" val="tx"/>
                     </a:ext>
                   </a:extLst>
                 </a:hlinkClick>

--- a/Courses/Computer-Modeling-and-IT/Computer-Modeling-and-IT-5-Class/27-Charts-and-Layout-of-Cells-and-Data/27-Charts-and-Layout-of-Cells-and-Data.pptx
+++ b/Courses/Computer-Modeling-and-IT/Computer-Modeling-and-IT-5-Class/27-Charts-and-Layout-of-Cells-and-Data/27-Charts-and-Layout-of-Cells-and-Data.pptx
@@ -204,7 +204,7 @@
 <file path=ppt/charts/chart1.xml><?xml version="1.0" encoding="utf-8"?>
 <c:chartSpace xmlns:c="http://schemas.openxmlformats.org/drawingml/2006/chart" xmlns:a="http://schemas.openxmlformats.org/drawingml/2006/main" xmlns:r="http://schemas.openxmlformats.org/officeDocument/2006/relationships" xmlns:c16r2="http://schemas.microsoft.com/office/drawing/2015/06/chart">
   <c:date1904 val="0"/>
-  <c:lang val="en-US"/>
+  <c:lang val="en-GB"/>
   <c:roundedCorners val="0"/>
   <mc:AlternateContent xmlns:mc="http://schemas.openxmlformats.org/markup-compatibility/2006">
     <mc:Choice xmlns:c14="http://schemas.microsoft.com/office/drawing/2007/8/2/chart" Requires="c14">
@@ -271,7 +271,7 @@
               <a:cs typeface="+mn-cs"/>
             </a:defRPr>
           </a:pPr>
-          <a:endParaRPr lang="en-US"/>
+          <a:endParaRPr lang="en-BG"/>
         </a:p>
       </c:txPr>
     </c:title>
@@ -539,7 +539,7 @@
                 <a:cs typeface="+mn-cs"/>
               </a:defRPr>
             </a:pPr>
-            <a:endParaRPr lang="en-US"/>
+            <a:endParaRPr lang="en-BG"/>
           </a:p>
         </c:txPr>
         <c:crossAx val="712969231"/>
@@ -598,7 +598,7 @@
                 <a:cs typeface="+mn-cs"/>
               </a:defRPr>
             </a:pPr>
-            <a:endParaRPr lang="en-US"/>
+            <a:endParaRPr lang="en-BG"/>
           </a:p>
         </c:txPr>
         <c:crossAx val="713053791"/>
@@ -650,7 +650,7 @@
               <a:cs typeface="+mn-cs"/>
             </a:defRPr>
           </a:pPr>
-          <a:endParaRPr lang="en-US"/>
+          <a:endParaRPr lang="en-BG"/>
         </a:p>
       </c:txPr>
     </c:legend>
@@ -672,7 +672,7 @@
       <a:pPr>
         <a:defRPr/>
       </a:pPr>
-      <a:endParaRPr lang="en-US"/>
+      <a:endParaRPr lang="en-BG"/>
     </a:p>
   </c:txPr>
   <c:externalData r:id="rId3">
@@ -684,7 +684,7 @@
 <file path=ppt/charts/chart2.xml><?xml version="1.0" encoding="utf-8"?>
 <c:chartSpace xmlns:c="http://schemas.openxmlformats.org/drawingml/2006/chart" xmlns:a="http://schemas.openxmlformats.org/drawingml/2006/main" xmlns:r="http://schemas.openxmlformats.org/officeDocument/2006/relationships" xmlns:c16r2="http://schemas.microsoft.com/office/drawing/2015/06/chart">
   <c:date1904 val="0"/>
-  <c:lang val="en-US"/>
+  <c:lang val="en-GB"/>
   <c:roundedCorners val="0"/>
   <mc:AlternateContent xmlns:mc="http://schemas.openxmlformats.org/markup-compatibility/2006">
     <mc:Choice xmlns:c14="http://schemas.microsoft.com/office/drawing/2007/8/2/chart" Requires="c14">
@@ -747,7 +747,7 @@
               <a:cs typeface="+mn-cs"/>
             </a:defRPr>
           </a:pPr>
-          <a:endParaRPr lang="en-US"/>
+          <a:endParaRPr lang="en-BG"/>
         </a:p>
       </c:txPr>
     </c:title>
@@ -1120,7 +1120,7 @@
                 <a:cs typeface="+mn-cs"/>
               </a:defRPr>
             </a:pPr>
-            <a:endParaRPr lang="en-US"/>
+            <a:endParaRPr lang="en-BG"/>
           </a:p>
         </c:txPr>
         <c:crossAx val="-1703236784"/>
@@ -1179,7 +1179,7 @@
                 <a:cs typeface="+mn-cs"/>
               </a:defRPr>
             </a:pPr>
-            <a:endParaRPr lang="en-US"/>
+            <a:endParaRPr lang="en-BG"/>
           </a:p>
         </c:txPr>
         <c:crossAx val="-1703240592"/>
@@ -1221,7 +1221,7 @@
               <a:cs typeface="+mn-cs"/>
             </a:defRPr>
           </a:pPr>
-          <a:endParaRPr lang="en-US"/>
+          <a:endParaRPr lang="en-BG"/>
         </a:p>
       </c:txPr>
     </c:legend>
@@ -1243,7 +1243,7 @@
       <a:pPr>
         <a:defRPr/>
       </a:pPr>
-      <a:endParaRPr lang="en-US"/>
+      <a:endParaRPr lang="en-BG"/>
     </a:p>
   </c:txPr>
   <c:externalData r:id="rId3">
@@ -2432,7 +2432,7 @@
           <a:p>
             <a:fld id="{4E087215-0C8F-4762-A664-737A353EC9A4}" type="datetimeFigureOut">
               <a:rPr lang="bg-BG" smtClean="0"/>
-              <a:t>23.2.2024 г.</a:t>
+              <a:t>27.02.24 г.</a:t>
             </a:fld>
             <a:endParaRPr lang="bg-BG"/>
           </a:p>
@@ -2628,7 +2628,7 @@
           <a:p>
             <a:fld id="{72D84649-876A-46C9-8472-14CB09C070D8}" type="datetimeFigureOut">
               <a:rPr lang="en-US" smtClean="0"/>
-              <a:t>2/23/2024</a:t>
+              <a:t>2/27/24</a:t>
             </a:fld>
             <a:endParaRPr lang="en-US"/>
           </a:p>
@@ -9776,7 +9776,7 @@
           <a:p>
             <a:r>
               <a:rPr lang="bg-BG" dirty="0"/>
-              <a:t>Същност</a:t>
+              <a:t>Същност и елементи</a:t>
             </a:r>
             <a:endParaRPr lang="en-US" dirty="0"/>
           </a:p>
@@ -15610,7 +15610,7 @@
                 <a:hlinkClick r:id="rId3">
                   <a:extLst>
                     <a:ext uri="{A12FA001-AC4F-418D-AE19-62706E023703}">
-                      <ahyp:hlinkClr xmlns:ahyp="http://schemas.microsoft.com/office/drawing/2018/hyperlinkcolor" xmlns="" val="tx"/>
+                      <ahyp:hlinkClr xmlns:ahyp="http://schemas.microsoft.com/office/drawing/2018/hyperlinkcolor" val="tx"/>
                     </a:ext>
                   </a:extLst>
                 </a:hlinkClick>

--- a/Courses/Computer-Modeling-and-IT/Computer-Modeling-and-IT-5-Class/27-Charts-and-Layout-of-Cells-and-Data/27-Charts-and-Layout-of-Cells-and-Data.pptx
+++ b/Courses/Computer-Modeling-and-IT/Computer-Modeling-and-IT-5-Class/27-Charts-and-Layout-of-Cells-and-Data/27-Charts-and-Layout-of-Cells-and-Data.pptx
@@ -271,7 +271,7 @@
               <a:cs typeface="+mn-cs"/>
             </a:defRPr>
           </a:pPr>
-          <a:endParaRPr lang="en-BG"/>
+          <a:endParaRPr lang="en-US"/>
         </a:p>
       </c:txPr>
     </c:title>
@@ -539,7 +539,7 @@
                 <a:cs typeface="+mn-cs"/>
               </a:defRPr>
             </a:pPr>
-            <a:endParaRPr lang="en-BG"/>
+            <a:endParaRPr lang="en-US"/>
           </a:p>
         </c:txPr>
         <c:crossAx val="712969231"/>
@@ -598,7 +598,7 @@
                 <a:cs typeface="+mn-cs"/>
               </a:defRPr>
             </a:pPr>
-            <a:endParaRPr lang="en-BG"/>
+            <a:endParaRPr lang="en-US"/>
           </a:p>
         </c:txPr>
         <c:crossAx val="713053791"/>
@@ -650,7 +650,7 @@
               <a:cs typeface="+mn-cs"/>
             </a:defRPr>
           </a:pPr>
-          <a:endParaRPr lang="en-BG"/>
+          <a:endParaRPr lang="en-US"/>
         </a:p>
       </c:txPr>
     </c:legend>
@@ -672,7 +672,7 @@
       <a:pPr>
         <a:defRPr/>
       </a:pPr>
-      <a:endParaRPr lang="en-BG"/>
+      <a:endParaRPr lang="en-US"/>
     </a:p>
   </c:txPr>
   <c:externalData r:id="rId3">
@@ -747,7 +747,7 @@
               <a:cs typeface="+mn-cs"/>
             </a:defRPr>
           </a:pPr>
-          <a:endParaRPr lang="en-BG"/>
+          <a:endParaRPr lang="en-US"/>
         </a:p>
       </c:txPr>
     </c:title>
@@ -1120,7 +1120,7 @@
                 <a:cs typeface="+mn-cs"/>
               </a:defRPr>
             </a:pPr>
-            <a:endParaRPr lang="en-BG"/>
+            <a:endParaRPr lang="en-US"/>
           </a:p>
         </c:txPr>
         <c:crossAx val="-1703236784"/>
@@ -1179,7 +1179,7 @@
                 <a:cs typeface="+mn-cs"/>
               </a:defRPr>
             </a:pPr>
-            <a:endParaRPr lang="en-BG"/>
+            <a:endParaRPr lang="en-US"/>
           </a:p>
         </c:txPr>
         <c:crossAx val="-1703240592"/>
@@ -1221,7 +1221,7 @@
               <a:cs typeface="+mn-cs"/>
             </a:defRPr>
           </a:pPr>
-          <a:endParaRPr lang="en-BG"/>
+          <a:endParaRPr lang="en-US"/>
         </a:p>
       </c:txPr>
     </c:legend>
@@ -1243,7 +1243,7 @@
       <a:pPr>
         <a:defRPr/>
       </a:pPr>
-      <a:endParaRPr lang="en-BG"/>
+      <a:endParaRPr lang="en-US"/>
     </a:p>
   </c:txPr>
   <c:externalData r:id="rId3">
@@ -2432,7 +2432,7 @@
           <a:p>
             <a:fld id="{4E087215-0C8F-4762-A664-737A353EC9A4}" type="datetimeFigureOut">
               <a:rPr lang="bg-BG" smtClean="0"/>
-              <a:t>27.02.24 г.</a:t>
+              <a:t>7.1.2025 г.</a:t>
             </a:fld>
             <a:endParaRPr lang="bg-BG"/>
           </a:p>
@@ -2628,7 +2628,7 @@
           <a:p>
             <a:fld id="{72D84649-876A-46C9-8472-14CB09C070D8}" type="datetimeFigureOut">
               <a:rPr lang="en-US" smtClean="0"/>
-              <a:t>2/27/24</a:t>
+              <a:t>1/7/2025</a:t>
             </a:fld>
             <a:endParaRPr lang="en-US"/>
           </a:p>
@@ -3342,7 +3342,7 @@
           <a:bodyPr/>
           <a:lstStyle/>
           <a:p>
-            <a:endParaRPr lang="en-US" dirty="0"/>
+            <a:endParaRPr lang="en-GB" dirty="0"/>
           </a:p>
         </p:txBody>
       </p:sp>
@@ -3353,7 +3353,7 @@
             <a:spLocks noGrp="1"/>
           </p:cNvSpPr>
           <p:nvPr>
-            <p:ph type="sldNum" sz="quarter" idx="10"/>
+            <p:ph type="sldNum" sz="quarter" idx="5"/>
           </p:nvPr>
         </p:nvSpPr>
         <p:spPr/>
@@ -3363,7 +3363,7 @@
           <a:p>
             <a:fld id="{2BF067CD-8E6B-4360-9AA8-C5DF2A48A6D1}" type="slidenum">
               <a:rPr lang="en-US" smtClean="0"/>
-              <a:t>11</a:t>
+              <a:t>9</a:t>
             </a:fld>
             <a:endParaRPr lang="en-US" dirty="0"/>
           </a:p>
@@ -3376,7 +3376,7 @@
             <a:spLocks noGrp="1"/>
           </p:cNvSpPr>
           <p:nvPr>
-            <p:ph type="ftr" sz="quarter" idx="11"/>
+            <p:ph type="ftr" sz="quarter" idx="4"/>
           </p:nvPr>
         </p:nvSpPr>
         <p:spPr/>
@@ -3409,7 +3409,7 @@
     </p:spTree>
     <p:extLst>
       <p:ext uri="{BB962C8B-B14F-4D97-AF65-F5344CB8AC3E}">
-        <p14:creationId xmlns:p14="http://schemas.microsoft.com/office/powerpoint/2010/main" val="1341468469"/>
+        <p14:creationId xmlns:p14="http://schemas.microsoft.com/office/powerpoint/2010/main" val="3292969551"/>
       </p:ext>
     </p:extLst>
   </p:cSld>
@@ -3484,7 +3484,7 @@
           <a:p>
             <a:fld id="{2BF067CD-8E6B-4360-9AA8-C5DF2A48A6D1}" type="slidenum">
               <a:rPr lang="en-US" smtClean="0"/>
-              <a:t>13</a:t>
+              <a:t>11</a:t>
             </a:fld>
             <a:endParaRPr lang="en-US" dirty="0"/>
           </a:p>
@@ -3530,7 +3530,7 @@
     </p:spTree>
     <p:extLst>
       <p:ext uri="{BB962C8B-B14F-4D97-AF65-F5344CB8AC3E}">
-        <p14:creationId xmlns:p14="http://schemas.microsoft.com/office/powerpoint/2010/main" val="1186293785"/>
+        <p14:creationId xmlns:p14="http://schemas.microsoft.com/office/powerpoint/2010/main" val="1341468469"/>
       </p:ext>
     </p:extLst>
   </p:cSld>
@@ -3605,7 +3605,7 @@
           <a:p>
             <a:fld id="{2BF067CD-8E6B-4360-9AA8-C5DF2A48A6D1}" type="slidenum">
               <a:rPr lang="en-US" smtClean="0"/>
-              <a:t>18</a:t>
+              <a:t>13</a:t>
             </a:fld>
             <a:endParaRPr lang="en-US" dirty="0"/>
           </a:p>
@@ -3651,7 +3651,7 @@
     </p:spTree>
     <p:extLst>
       <p:ext uri="{BB962C8B-B14F-4D97-AF65-F5344CB8AC3E}">
-        <p14:creationId xmlns:p14="http://schemas.microsoft.com/office/powerpoint/2010/main" val="3638993445"/>
+        <p14:creationId xmlns:p14="http://schemas.microsoft.com/office/powerpoint/2010/main" val="1186293785"/>
       </p:ext>
     </p:extLst>
   </p:cSld>
@@ -3711,6 +3711,127 @@
       </p:sp>
       <p:sp>
         <p:nvSpPr>
+          <p:cNvPr id="4" name="Slide Number Placeholder 3"/>
+          <p:cNvSpPr>
+            <a:spLocks noGrp="1"/>
+          </p:cNvSpPr>
+          <p:nvPr>
+            <p:ph type="sldNum" sz="quarter" idx="10"/>
+          </p:nvPr>
+        </p:nvSpPr>
+        <p:spPr/>
+        <p:txBody>
+          <a:bodyPr/>
+          <a:lstStyle/>
+          <a:p>
+            <a:fld id="{2BF067CD-8E6B-4360-9AA8-C5DF2A48A6D1}" type="slidenum">
+              <a:rPr lang="en-US" smtClean="0"/>
+              <a:t>18</a:t>
+            </a:fld>
+            <a:endParaRPr lang="en-US" dirty="0"/>
+          </a:p>
+        </p:txBody>
+      </p:sp>
+      <p:sp>
+        <p:nvSpPr>
+          <p:cNvPr id="5" name="Footer Placeholder 4"/>
+          <p:cNvSpPr>
+            <a:spLocks noGrp="1"/>
+          </p:cNvSpPr>
+          <p:nvPr>
+            <p:ph type="ftr" sz="quarter" idx="11"/>
+          </p:nvPr>
+        </p:nvSpPr>
+        <p:spPr/>
+        <p:txBody>
+          <a:bodyPr/>
+          <a:lstStyle/>
+          <a:p>
+            <a:r>
+              <a:rPr lang="bg-BG" sz="1100"/>
+              <a:t>Работна група </a:t>
+            </a:r>
+            <a:r>
+              <a:rPr lang="bg-BG"/>
+              <a:t>"Образование по програмиране и ИТ"</a:t>
+            </a:r>
+            <a:r>
+              <a:rPr lang="bg-BG" sz="1100"/>
+              <a:t>, с подкрепата на </a:t>
+            </a:r>
+            <a:r>
+              <a:rPr lang="en-US" sz="1100">
+                <a:hlinkClick r:id="rId3"/>
+              </a:rPr>
+              <a:t>SoftUni</a:t>
+            </a:r>
+            <a:endParaRPr lang="en-US" sz="1100" dirty="0"/>
+          </a:p>
+        </p:txBody>
+      </p:sp>
+    </p:spTree>
+    <p:extLst>
+      <p:ext uri="{BB962C8B-B14F-4D97-AF65-F5344CB8AC3E}">
+        <p14:creationId xmlns:p14="http://schemas.microsoft.com/office/powerpoint/2010/main" val="3638993445"/>
+      </p:ext>
+    </p:extLst>
+  </p:cSld>
+  <p:clrMapOvr>
+    <a:masterClrMapping/>
+  </p:clrMapOvr>
+</p:notes>
+</file>
+
+<file path=ppt/notesSlides/notesSlide7.xml><?xml version="1.0" encoding="utf-8"?>
+<p:notes xmlns:a="http://schemas.openxmlformats.org/drawingml/2006/main" xmlns:r="http://schemas.openxmlformats.org/officeDocument/2006/relationships" xmlns:p="http://schemas.openxmlformats.org/presentationml/2006/main">
+  <p:cSld>
+    <p:spTree>
+      <p:nvGrpSpPr>
+        <p:cNvPr id="1" name=""/>
+        <p:cNvGrpSpPr/>
+        <p:nvPr/>
+      </p:nvGrpSpPr>
+      <p:grpSpPr>
+        <a:xfrm>
+          <a:off x="0" y="0"/>
+          <a:ext cx="0" cy="0"/>
+          <a:chOff x="0" y="0"/>
+          <a:chExt cx="0" cy="0"/>
+        </a:xfrm>
+      </p:grpSpPr>
+      <p:sp>
+        <p:nvSpPr>
+          <p:cNvPr id="2" name="Slide Image Placeholder 1"/>
+          <p:cNvSpPr>
+            <a:spLocks noGrp="1" noRot="1" noChangeAspect="1"/>
+          </p:cNvSpPr>
+          <p:nvPr>
+            <p:ph type="sldImg"/>
+          </p:nvPr>
+        </p:nvSpPr>
+        <p:spPr/>
+      </p:sp>
+      <p:sp>
+        <p:nvSpPr>
+          <p:cNvPr id="3" name="Notes Placeholder 2"/>
+          <p:cNvSpPr>
+            <a:spLocks noGrp="1"/>
+          </p:cNvSpPr>
+          <p:nvPr>
+            <p:ph type="body" idx="1"/>
+          </p:nvPr>
+        </p:nvSpPr>
+        <p:spPr/>
+        <p:txBody>
+          <a:bodyPr/>
+          <a:lstStyle/>
+          <a:p>
+            <a:endParaRPr lang="en-US" dirty="0"/>
+          </a:p>
+        </p:txBody>
+      </p:sp>
+      <p:sp>
+        <p:nvSpPr>
           <p:cNvPr id="4" name="Footer Placeholder 3"/>
           <p:cNvSpPr>
             <a:spLocks noGrp="1"/>
@@ -3795,7 +3916,7 @@
 </p:notes>
 </file>
 
-<file path=ppt/notesSlides/notesSlide7.xml><?xml version="1.0" encoding="utf-8"?>
+<file path=ppt/notesSlides/notesSlide8.xml><?xml version="1.0" encoding="utf-8"?>
 <p:notes xmlns:a="http://schemas.openxmlformats.org/drawingml/2006/main" xmlns:r="http://schemas.openxmlformats.org/officeDocument/2006/relationships" xmlns:p="http://schemas.openxmlformats.org/presentationml/2006/main">
   <p:cSld>
     <p:spTree>
@@ -4025,7 +4146,7 @@
 </p:notes>
 </file>
 
-<file path=ppt/notesSlides/notesSlide8.xml><?xml version="1.0" encoding="utf-8"?>
+<file path=ppt/notesSlides/notesSlide9.xml><?xml version="1.0" encoding="utf-8"?>
 <p:notes xmlns:a="http://schemas.openxmlformats.org/drawingml/2006/main" xmlns:r="http://schemas.openxmlformats.org/officeDocument/2006/relationships" xmlns:p="http://schemas.openxmlformats.org/presentationml/2006/main">
   <p:cSld>
     <p:spTree>
@@ -9621,43 +9742,6 @@
           </a:p>
         </p:txBody>
       </p:sp>
-      <p:pic>
-        <p:nvPicPr>
-          <p:cNvPr id="8" name="Picture 7"/>
-          <p:cNvPicPr>
-            <a:picLocks noChangeAspect="1"/>
-          </p:cNvPicPr>
-          <p:nvPr/>
-        </p:nvPicPr>
-        <p:blipFill>
-          <a:blip r:embed="rId2">
-            <a:extLst>
-              <a:ext uri="{28A0092B-C50C-407E-A947-70E740481C1C}">
-                <a14:useLocalDpi xmlns:a14="http://schemas.microsoft.com/office/drawing/2010/main" val="0"/>
-              </a:ext>
-            </a:extLst>
-          </a:blip>
-          <a:stretch>
-            <a:fillRect/>
-          </a:stretch>
-        </p:blipFill>
-        <p:spPr>
-          <a:xfrm>
-            <a:off x="691147" y="1255500"/>
-            <a:ext cx="10429275" cy="5604847"/>
-          </a:xfrm>
-          <a:prstGeom prst="rect">
-            <a:avLst/>
-          </a:prstGeom>
-          <a:ln>
-            <a:solidFill>
-              <a:schemeClr val="bg2">
-                <a:lumMod val="75000"/>
-              </a:schemeClr>
-            </a:solidFill>
-          </a:ln>
-        </p:spPr>
-      </p:pic>
       <p:sp>
         <p:nvSpPr>
           <p:cNvPr id="9" name="Rectangle 8"/>
@@ -9721,6 +9805,49 @@
           </a:p>
         </p:txBody>
       </p:sp>
+      <p:pic>
+        <p:nvPicPr>
+          <p:cNvPr id="6" name="Picture 5" descr="A screenshot of a computer&#10;&#10;Description automatically generated">
+            <a:extLst>
+              <a:ext uri="{FF2B5EF4-FFF2-40B4-BE49-F238E27FC236}">
+                <a16:creationId xmlns:a16="http://schemas.microsoft.com/office/drawing/2014/main" id="{13DE665E-1A64-B01C-6D19-7FFB8D89578F}"/>
+              </a:ext>
+            </a:extLst>
+          </p:cNvPr>
+          <p:cNvPicPr>
+            <a:picLocks noChangeAspect="1"/>
+          </p:cNvPicPr>
+          <p:nvPr/>
+        </p:nvPicPr>
+        <p:blipFill>
+          <a:blip r:embed="rId2">
+            <a:extLst>
+              <a:ext uri="{28A0092B-C50C-407E-A947-70E740481C1C}">
+                <a14:useLocalDpi xmlns:a14="http://schemas.microsoft.com/office/drawing/2010/main" val="0"/>
+              </a:ext>
+            </a:extLst>
+          </a:blip>
+          <a:stretch>
+            <a:fillRect/>
+          </a:stretch>
+        </p:blipFill>
+        <p:spPr>
+          <a:xfrm>
+            <a:off x="960703" y="1269000"/>
+            <a:ext cx="10270594" cy="5408644"/>
+          </a:xfrm>
+          <a:prstGeom prst="rect">
+            <a:avLst/>
+          </a:prstGeom>
+          <a:ln>
+            <a:solidFill>
+              <a:schemeClr val="bg2">
+                <a:lumMod val="75000"/>
+              </a:schemeClr>
+            </a:solidFill>
+          </a:ln>
+        </p:spPr>
+      </p:pic>
     </p:spTree>
     <p:extLst>
       <p:ext uri="{BB962C8B-B14F-4D97-AF65-F5344CB8AC3E}">
@@ -11556,27 +11683,28 @@
       </p:grpSpPr>
       <p:pic>
         <p:nvPicPr>
-          <p:cNvPr id="8" name="Picture 7"/>
+          <p:cNvPr id="5" name="Picture 4">
+            <a:extLst>
+              <a:ext uri="{FF2B5EF4-FFF2-40B4-BE49-F238E27FC236}">
+                <a16:creationId xmlns:a16="http://schemas.microsoft.com/office/drawing/2014/main" id="{0B62A92E-4178-661B-C71F-1D5584214821}"/>
+              </a:ext>
+            </a:extLst>
+          </p:cNvPr>
           <p:cNvPicPr>
             <a:picLocks noChangeAspect="1"/>
           </p:cNvPicPr>
           <p:nvPr/>
         </p:nvPicPr>
-        <p:blipFill rotWithShape="1">
-          <a:blip r:embed="rId2">
-            <a:extLst>
-              <a:ext uri="{28A0092B-C50C-407E-A947-70E740481C1C}">
-                <a14:useLocalDpi xmlns:a14="http://schemas.microsoft.com/office/drawing/2010/main" val="0"/>
-              </a:ext>
-            </a:extLst>
-          </a:blip>
-          <a:srcRect b="15532"/>
-          <a:stretch/>
+        <p:blipFill>
+          <a:blip r:embed="rId2"/>
+          <a:stretch>
+            <a:fillRect/>
+          </a:stretch>
         </p:blipFill>
         <p:spPr>
           <a:xfrm>
-            <a:off x="426000" y="1269000"/>
-            <a:ext cx="11340000" cy="5399335"/>
+            <a:off x="960703" y="1269450"/>
+            <a:ext cx="10270594" cy="5468946"/>
           </a:xfrm>
           <a:prstGeom prst="rect">
             <a:avLst/>
@@ -11645,13 +11773,13 @@
         </p:nvSpPr>
         <p:spPr bwMode="auto">
           <a:xfrm>
-            <a:off x="4341000" y="3024000"/>
+            <a:off x="5325703" y="1629000"/>
             <a:ext cx="6570000" cy="1710000"/>
           </a:xfrm>
           <a:prstGeom prst="wedgeRoundRectCallout">
             <a:avLst>
-              <a:gd name="adj1" fmla="val -59670"/>
-              <a:gd name="adj2" fmla="val 6243"/>
+              <a:gd name="adj1" fmla="val -44174"/>
+              <a:gd name="adj2" fmla="val 97204"/>
               <a:gd name="adj3" fmla="val 16667"/>
             </a:avLst>
           </a:prstGeom>
@@ -11714,7 +11842,7 @@
             <a:r>
               <a:rPr lang="bg-BG" sz="2800" b="1" dirty="0">
                 <a:solidFill>
-                  <a:schemeClr val="bg1">
+                  <a:schemeClr val="accent1">
                     <a:lumMod val="60000"/>
                     <a:lumOff val="40000"/>
                   </a:schemeClr>
@@ -11877,38 +12005,32 @@
       </p:grpSpPr>
       <p:pic>
         <p:nvPicPr>
-          <p:cNvPr id="9" name="Picture 8"/>
+          <p:cNvPr id="5" name="Picture 4">
+            <a:extLst>
+              <a:ext uri="{FF2B5EF4-FFF2-40B4-BE49-F238E27FC236}">
+                <a16:creationId xmlns:a16="http://schemas.microsoft.com/office/drawing/2014/main" id="{9B12219E-1EA3-45BC-C34A-939FB73124CA}"/>
+              </a:ext>
+            </a:extLst>
+          </p:cNvPr>
           <p:cNvPicPr>
             <a:picLocks noChangeAspect="1"/>
           </p:cNvPicPr>
           <p:nvPr/>
         </p:nvPicPr>
-        <p:blipFill rotWithShape="1">
-          <a:blip r:embed="rId2">
-            <a:extLst>
-              <a:ext uri="{28A0092B-C50C-407E-A947-70E740481C1C}">
-                <a14:useLocalDpi xmlns:a14="http://schemas.microsoft.com/office/drawing/2010/main" val="0"/>
-              </a:ext>
-            </a:extLst>
-          </a:blip>
-          <a:srcRect b="15532"/>
-          <a:stretch/>
+        <p:blipFill>
+          <a:blip r:embed="rId2"/>
+          <a:stretch>
+            <a:fillRect/>
+          </a:stretch>
         </p:blipFill>
         <p:spPr>
           <a:xfrm>
-            <a:off x="426000" y="1269000"/>
-            <a:ext cx="11340000" cy="5399335"/>
+            <a:off x="960703" y="1269450"/>
+            <a:ext cx="10270594" cy="5468946"/>
           </a:xfrm>
           <a:prstGeom prst="rect">
             <a:avLst/>
           </a:prstGeom>
-          <a:ln>
-            <a:solidFill>
-              <a:schemeClr val="bg2">
-                <a:lumMod val="75000"/>
-              </a:schemeClr>
-            </a:solidFill>
-          </a:ln>
         </p:spPr>
       </p:pic>
       <p:sp>
@@ -11966,13 +12088,13 @@
         </p:nvSpPr>
         <p:spPr bwMode="auto">
           <a:xfrm>
-            <a:off x="5389203" y="3429000"/>
+            <a:off x="6186000" y="3744000"/>
             <a:ext cx="4365000" cy="1665000"/>
           </a:xfrm>
           <a:prstGeom prst="wedgeRoundRectCallout">
             <a:avLst>
-              <a:gd name="adj1" fmla="val -42064"/>
-              <a:gd name="adj2" fmla="val -117948"/>
+              <a:gd name="adj1" fmla="val -35801"/>
+              <a:gd name="adj2" fmla="val -94735"/>
               <a:gd name="adj3" fmla="val 16667"/>
             </a:avLst>
           </a:prstGeom>
@@ -12035,7 +12157,7 @@
             <a:r>
               <a:rPr lang="bg-BG" sz="2800" b="1" dirty="0">
                 <a:solidFill>
-                  <a:schemeClr val="bg1">
+                  <a:schemeClr val="accent1">
                     <a:lumMod val="60000"/>
                     <a:lumOff val="40000"/>
                   </a:schemeClr>
@@ -12053,7 +12175,7 @@
             <a:r>
               <a:rPr lang="en-US" sz="2800" b="1" dirty="0">
                 <a:solidFill>
-                  <a:schemeClr val="bg1">
+                  <a:schemeClr val="accent1">
                     <a:lumMod val="60000"/>
                     <a:lumOff val="40000"/>
                   </a:schemeClr>
@@ -12071,7 +12193,7 @@
             <a:r>
               <a:rPr lang="bg-BG" sz="2800" b="1" dirty="0">
                 <a:solidFill>
-                  <a:schemeClr val="bg1">
+                  <a:schemeClr val="accent1">
                     <a:lumMod val="60000"/>
                     <a:lumOff val="40000"/>
                   </a:schemeClr>
@@ -12124,8 +12246,8 @@
         </p:nvSpPr>
         <p:spPr bwMode="auto">
           <a:xfrm>
-            <a:off x="4701000" y="1584000"/>
-            <a:ext cx="1530000" cy="630000"/>
+            <a:off x="4296000" y="1989000"/>
+            <a:ext cx="2970000" cy="900000"/>
           </a:xfrm>
           <a:prstGeom prst="rect">
             <a:avLst/>
@@ -12346,27 +12468,28 @@
       </p:grpSpPr>
       <p:pic>
         <p:nvPicPr>
-          <p:cNvPr id="6" name="Picture 5"/>
+          <p:cNvPr id="10" name="Picture 9">
+            <a:extLst>
+              <a:ext uri="{FF2B5EF4-FFF2-40B4-BE49-F238E27FC236}">
+                <a16:creationId xmlns:a16="http://schemas.microsoft.com/office/drawing/2014/main" id="{A61B7577-D7D7-E26E-C34A-938633A4A815}"/>
+              </a:ext>
+            </a:extLst>
+          </p:cNvPr>
           <p:cNvPicPr>
             <a:picLocks noChangeAspect="1"/>
           </p:cNvPicPr>
           <p:nvPr/>
         </p:nvPicPr>
-        <p:blipFill rotWithShape="1">
-          <a:blip r:embed="rId2">
-            <a:extLst>
-              <a:ext uri="{28A0092B-C50C-407E-A947-70E740481C1C}">
-                <a14:useLocalDpi xmlns:a14="http://schemas.microsoft.com/office/drawing/2010/main" val="0"/>
-              </a:ext>
-            </a:extLst>
-          </a:blip>
-          <a:srcRect b="16010"/>
-          <a:stretch/>
+        <p:blipFill>
+          <a:blip r:embed="rId2"/>
+          <a:stretch>
+            <a:fillRect/>
+          </a:stretch>
         </p:blipFill>
         <p:spPr>
           <a:xfrm>
-            <a:off x="426000" y="1269000"/>
-            <a:ext cx="11327030" cy="5399335"/>
+            <a:off x="960703" y="1269450"/>
+            <a:ext cx="10270593" cy="5468946"/>
           </a:xfrm>
           <a:prstGeom prst="rect">
             <a:avLst/>
@@ -12435,13 +12558,13 @@
         </p:nvSpPr>
         <p:spPr bwMode="auto">
           <a:xfrm>
-            <a:off x="7041000" y="1629000"/>
+            <a:off x="7086000" y="1674000"/>
             <a:ext cx="3915000" cy="1620000"/>
           </a:xfrm>
           <a:prstGeom prst="wedgeRoundRectCallout">
             <a:avLst>
-              <a:gd name="adj1" fmla="val -33210"/>
-              <a:gd name="adj2" fmla="val 66263"/>
+              <a:gd name="adj1" fmla="val 7590"/>
+              <a:gd name="adj2" fmla="val 71264"/>
               <a:gd name="adj3" fmla="val 16667"/>
             </a:avLst>
           </a:prstGeom>
@@ -14961,7 +15084,7 @@
             <a:r>
               <a:rPr lang="bg-BG" sz="2800" b="1" dirty="0">
                 <a:solidFill>
-                  <a:schemeClr val="bg1">
+                  <a:schemeClr val="accent1">
                     <a:lumMod val="60000"/>
                     <a:lumOff val="40000"/>
                   </a:schemeClr>
@@ -15075,7 +15198,7 @@
             <a:r>
               <a:rPr lang="bg-BG" sz="2800" b="1" dirty="0">
                 <a:solidFill>
-                  <a:schemeClr val="bg1">
+                  <a:schemeClr val="accent1">
                     <a:lumMod val="60000"/>
                     <a:lumOff val="40000"/>
                   </a:schemeClr>
@@ -15272,7 +15395,7 @@
                                         <p:tgtEl>
                                           <p:spTgt spid="15">
                                             <p:txEl>
-                                              <p:pRg st="2" end="2"/>
+                                              <p:pRg st="1" end="1"/>
                                             </p:txEl>
                                           </p:spTgt>
                                         </p:tgtEl>
@@ -15321,38 +15444,7 @@
                                         <p:tgtEl>
                                           <p:spTgt spid="15">
                                             <p:txEl>
-                                              <p:pRg st="3" end="3"/>
-                                            </p:txEl>
-                                          </p:spTgt>
-                                        </p:tgtEl>
-                                        <p:attrNameLst>
-                                          <p:attrName>style.visibility</p:attrName>
-                                        </p:attrNameLst>
-                                      </p:cBhvr>
-                                      <p:to>
-                                        <p:strVal val="visible"/>
-                                      </p:to>
-                                    </p:set>
-                                  </p:childTnLst>
-                                </p:cTn>
-                              </p:par>
-                              <p:par>
-                                <p:cTn id="11" presetID="1" presetClass="entr" presetSubtype="0" fill="hold" nodeType="withEffect">
-                                  <p:stCondLst>
-                                    <p:cond delay="0"/>
-                                  </p:stCondLst>
-                                  <p:childTnLst>
-                                    <p:set>
-                                      <p:cBhvr>
-                                        <p:cTn id="12" dur="1" fill="hold">
-                                          <p:stCondLst>
-                                            <p:cond delay="0"/>
-                                          </p:stCondLst>
-                                        </p:cTn>
-                                        <p:tgtEl>
-                                          <p:spTgt spid="15">
-                                            <p:txEl>
-                                              <p:pRg st="4" end="4"/>
+                                              <p:pRg st="2" end="2"/>
                                             </p:txEl>
                                           </p:spTgt>
                                         </p:tgtEl>
@@ -15374,19 +15466,50 @@
                     </p:cTn>
                   </p:par>
                   <p:par>
-                    <p:cTn id="13" fill="hold">
+                    <p:cTn id="11" fill="hold">
                       <p:stCondLst>
                         <p:cond delay="indefinite"/>
                       </p:stCondLst>
                       <p:childTnLst>
                         <p:par>
-                          <p:cTn id="14" fill="hold">
+                          <p:cTn id="12" fill="hold">
                             <p:stCondLst>
                               <p:cond delay="0"/>
                             </p:stCondLst>
                             <p:childTnLst>
                               <p:par>
-                                <p:cTn id="15" presetID="1" presetClass="entr" presetSubtype="0" fill="hold" nodeType="clickEffect">
+                                <p:cTn id="13" presetID="1" presetClass="entr" presetSubtype="0" fill="hold" nodeType="clickEffect">
+                                  <p:stCondLst>
+                                    <p:cond delay="0"/>
+                                  </p:stCondLst>
+                                  <p:childTnLst>
+                                    <p:set>
+                                      <p:cBhvr>
+                                        <p:cTn id="14" dur="1" fill="hold">
+                                          <p:stCondLst>
+                                            <p:cond delay="0"/>
+                                          </p:stCondLst>
+                                        </p:cTn>
+                                        <p:tgtEl>
+                                          <p:spTgt spid="15">
+                                            <p:txEl>
+                                              <p:pRg st="3" end="3"/>
+                                            </p:txEl>
+                                          </p:spTgt>
+                                        </p:tgtEl>
+                                        <p:attrNameLst>
+                                          <p:attrName>style.visibility</p:attrName>
+                                        </p:attrNameLst>
+                                      </p:cBhvr>
+                                      <p:to>
+                                        <p:strVal val="visible"/>
+                                      </p:to>
+                                    </p:set>
+                                  </p:childTnLst>
+                                </p:cTn>
+                              </p:par>
+                              <p:par>
+                                <p:cTn id="15" presetID="1" presetClass="entr" presetSubtype="0" fill="hold" nodeType="withEffect">
                                   <p:stCondLst>
                                     <p:cond delay="0"/>
                                   </p:stCondLst>
@@ -15401,7 +15524,7 @@
                                         <p:tgtEl>
                                           <p:spTgt spid="15">
                                             <p:txEl>
-                                              <p:pRg st="5" end="5"/>
+                                              <p:pRg st="4" end="4"/>
                                             </p:txEl>
                                           </p:spTgt>
                                         </p:tgtEl>
@@ -15443,6 +15566,55 @@
                                     <p:set>
                                       <p:cBhvr>
                                         <p:cTn id="20" dur="1" fill="hold">
+                                          <p:stCondLst>
+                                            <p:cond delay="0"/>
+                                          </p:stCondLst>
+                                        </p:cTn>
+                                        <p:tgtEl>
+                                          <p:spTgt spid="15">
+                                            <p:txEl>
+                                              <p:pRg st="5" end="5"/>
+                                            </p:txEl>
+                                          </p:spTgt>
+                                        </p:tgtEl>
+                                        <p:attrNameLst>
+                                          <p:attrName>style.visibility</p:attrName>
+                                        </p:attrNameLst>
+                                      </p:cBhvr>
+                                      <p:to>
+                                        <p:strVal val="visible"/>
+                                      </p:to>
+                                    </p:set>
+                                  </p:childTnLst>
+                                </p:cTn>
+                              </p:par>
+                            </p:childTnLst>
+                          </p:cTn>
+                        </p:par>
+                      </p:childTnLst>
+                    </p:cTn>
+                  </p:par>
+                  <p:par>
+                    <p:cTn id="21" fill="hold">
+                      <p:stCondLst>
+                        <p:cond delay="indefinite"/>
+                      </p:stCondLst>
+                      <p:childTnLst>
+                        <p:par>
+                          <p:cTn id="22" fill="hold">
+                            <p:stCondLst>
+                              <p:cond delay="0"/>
+                            </p:stCondLst>
+                            <p:childTnLst>
+                              <p:par>
+                                <p:cTn id="23" presetID="1" presetClass="entr" presetSubtype="0" fill="hold" nodeType="clickEffect">
+                                  <p:stCondLst>
+                                    <p:cond delay="0"/>
+                                  </p:stCondLst>
+                                  <p:childTnLst>
+                                    <p:set>
+                                      <p:cBhvr>
+                                        <p:cTn id="24" dur="1" fill="hold">
                                           <p:stCondLst>
                                             <p:cond delay="0"/>
                                           </p:stCondLst>
@@ -15687,7 +15859,7 @@
 </file>
 
 <file path=ppt/slides/slide23.xml><?xml version="1.0" encoding="utf-8"?>
-<p:sld xmlns:a="http://schemas.openxmlformats.org/drawingml/2006/main" xmlns:r="http://schemas.openxmlformats.org/officeDocument/2006/relationships" xmlns:p="http://schemas.openxmlformats.org/presentationml/2006/main">
+<p:sld xmlns:a="http://schemas.openxmlformats.org/drawingml/2006/main" xmlns:r="http://schemas.openxmlformats.org/officeDocument/2006/relationships" xmlns:p="http://schemas.openxmlformats.org/presentationml/2006/main" show="0">
   <p:cSld>
     <p:spTree>
       <p:nvGrpSpPr>
@@ -16058,11 +16230,11 @@
   <p:clrMapOvr>
     <a:masterClrMapping/>
   </p:clrMapOvr>
-  <mc:AlternateContent xmlns:mc="http://schemas.openxmlformats.org/markup-compatibility/2006" xmlns:p14="http://schemas.microsoft.com/office/powerpoint/2010/main">
-    <mc:Choice Requires="p14">
+  <mc:AlternateContent xmlns:mc="http://schemas.openxmlformats.org/markup-compatibility/2006">
+    <mc:Choice xmlns:p14="http://schemas.microsoft.com/office/powerpoint/2010/main" Requires="p14">
       <p:transition spd="slow" p14:dur="2000" advClick="0" advTm="5000"/>
     </mc:Choice>
-    <mc:Fallback xmlns="">
+    <mc:Fallback>
       <p:transition spd="slow" advClick="0" advTm="5000"/>
     </mc:Fallback>
   </mc:AlternateContent>
@@ -16348,13 +16520,13 @@
               </a:ext>
             </a:extLst>
           </a:blip>
-          <a:srcRect l="1046"/>
+          <a:srcRect l="195" r="195"/>
           <a:stretch/>
         </p:blipFill>
         <p:spPr>
           <a:xfrm>
-            <a:off x="3767769" y="3375450"/>
-            <a:ext cx="4656463" cy="2091422"/>
+            <a:off x="3599539" y="3375450"/>
+            <a:ext cx="4992924" cy="2091422"/>
           </a:xfrm>
           <a:prstGeom prst="rect">
             <a:avLst/>
@@ -16381,8 +16553,8 @@
           </a:xfrm>
           <a:prstGeom prst="wedgeRoundRectCallout">
             <a:avLst>
-              <a:gd name="adj1" fmla="val 49531"/>
-              <a:gd name="adj2" fmla="val 99108"/>
+              <a:gd name="adj1" fmla="val 44649"/>
+              <a:gd name="adj2" fmla="val 104376"/>
               <a:gd name="adj3" fmla="val 16667"/>
             </a:avLst>
           </a:prstGeom>
@@ -16470,8 +16642,8 @@
           </a:xfrm>
           <a:prstGeom prst="wedgeRoundRectCallout">
             <a:avLst>
-              <a:gd name="adj1" fmla="val 85939"/>
-              <a:gd name="adj2" fmla="val 62500"/>
+              <a:gd name="adj1" fmla="val 80489"/>
+              <a:gd name="adj2" fmla="val 65831"/>
               <a:gd name="adj3" fmla="val 16667"/>
             </a:avLst>
           </a:prstGeom>
@@ -16559,8 +16731,8 @@
           </a:xfrm>
           <a:prstGeom prst="wedgeRoundRectCallout">
             <a:avLst>
-              <a:gd name="adj1" fmla="val -1041"/>
-              <a:gd name="adj2" fmla="val -122227"/>
+              <a:gd name="adj1" fmla="val 14609"/>
+              <a:gd name="adj2" fmla="val -128385"/>
               <a:gd name="adj3" fmla="val 16667"/>
             </a:avLst>
           </a:prstGeom>
@@ -16648,8 +16820,8 @@
           </a:xfrm>
           <a:prstGeom prst="wedgeRoundRectCallout">
             <a:avLst>
-              <a:gd name="adj1" fmla="val -39808"/>
-              <a:gd name="adj2" fmla="val -105513"/>
+              <a:gd name="adj1" fmla="val -57867"/>
+              <a:gd name="adj2" fmla="val -114749"/>
               <a:gd name="adj3" fmla="val 16667"/>
             </a:avLst>
           </a:prstGeom>
@@ -16737,8 +16909,8 @@
           </a:xfrm>
           <a:prstGeom prst="wedgeRoundRectCallout">
             <a:avLst>
-              <a:gd name="adj1" fmla="val -59538"/>
-              <a:gd name="adj2" fmla="val 40509"/>
+              <a:gd name="adj1" fmla="val -71340"/>
+              <a:gd name="adj2" fmla="val 38229"/>
               <a:gd name="adj3" fmla="val 16667"/>
             </a:avLst>
           </a:prstGeom>
@@ -16910,206 +17082,8 @@
         </p:nvSpPr>
         <p:spPr bwMode="auto">
           <a:xfrm>
-            <a:off x="3936000" y="4365450"/>
-            <a:ext cx="1665000" cy="400115"/>
-          </a:xfrm>
-          <a:prstGeom prst="rect">
-            <a:avLst/>
-          </a:prstGeom>
-          <a:noFill/>
-          <a:ln w="38100">
-            <a:solidFill>
-              <a:schemeClr val="tx1">
-                <a:lumMod val="75000"/>
-                <a:alpha val="80000"/>
-              </a:schemeClr>
-            </a:solidFill>
-          </a:ln>
-          <a:effectLst/>
-        </p:spPr>
-        <p:style>
-          <a:lnRef idx="2">
-            <a:schemeClr val="accent1">
-              <a:shade val="50000"/>
-            </a:schemeClr>
-          </a:lnRef>
-          <a:fillRef idx="1001">
-            <a:schemeClr val="dk2"/>
-          </a:fillRef>
-          <a:effectRef idx="0">
-            <a:schemeClr val="accent1"/>
-          </a:effectRef>
-          <a:fontRef idx="minor">
-            <a:schemeClr val="lt1"/>
-          </a:fontRef>
-        </p:style>
-        <p:txBody>
-          <a:bodyPr rot="0" spcFirstLastPara="0" vertOverflow="overflow" horzOverflow="overflow" vert="horz" wrap="square" lIns="91440" tIns="45720" rIns="91440" bIns="45720" numCol="1" spcCol="0" rtlCol="0" fromWordArt="0" anchor="ctr" anchorCtr="0" forceAA="0" compatLnSpc="1">
-            <a:prstTxWarp prst="textNoShape">
-              <a:avLst/>
-            </a:prstTxWarp>
-            <a:noAutofit/>
-          </a:bodyPr>
-          <a:lstStyle/>
-          <a:p>
-            <a:pPr algn="ctr"/>
-            <a:endParaRPr lang="en-US" sz="2800" b="1" dirty="0">
-              <a:solidFill>
-                <a:srgbClr val="FFFFFF"/>
-              </a:solidFill>
-              <a:effectLst>
-                <a:outerShdw blurRad="38100" dist="38100" dir="2700000" algn="tl">
-                  <a:srgbClr val="000000">
-                    <a:alpha val="43137"/>
-                  </a:srgbClr>
-                </a:outerShdw>
-              </a:effectLst>
-            </a:endParaRPr>
-          </a:p>
-        </p:txBody>
-      </p:sp>
-      <p:sp>
-        <p:nvSpPr>
-          <p:cNvPr id="16" name="Rectangle 15"/>
-          <p:cNvSpPr/>
-          <p:nvPr/>
-        </p:nvSpPr>
-        <p:spPr bwMode="auto">
-          <a:xfrm>
-            <a:off x="5793797" y="4365450"/>
-            <a:ext cx="797203" cy="400115"/>
-          </a:xfrm>
-          <a:prstGeom prst="rect">
-            <a:avLst/>
-          </a:prstGeom>
-          <a:noFill/>
-          <a:ln w="38100">
-            <a:solidFill>
-              <a:schemeClr val="tx1">
-                <a:lumMod val="75000"/>
-                <a:alpha val="80000"/>
-              </a:schemeClr>
-            </a:solidFill>
-          </a:ln>
-          <a:effectLst/>
-        </p:spPr>
-        <p:style>
-          <a:lnRef idx="2">
-            <a:schemeClr val="accent1">
-              <a:shade val="50000"/>
-            </a:schemeClr>
-          </a:lnRef>
-          <a:fillRef idx="1001">
-            <a:schemeClr val="dk2"/>
-          </a:fillRef>
-          <a:effectRef idx="0">
-            <a:schemeClr val="accent1"/>
-          </a:effectRef>
-          <a:fontRef idx="minor">
-            <a:schemeClr val="lt1"/>
-          </a:fontRef>
-        </p:style>
-        <p:txBody>
-          <a:bodyPr rot="0" spcFirstLastPara="0" vertOverflow="overflow" horzOverflow="overflow" vert="horz" wrap="square" lIns="91440" tIns="45720" rIns="91440" bIns="45720" numCol="1" spcCol="0" rtlCol="0" fromWordArt="0" anchor="ctr" anchorCtr="0" forceAA="0" compatLnSpc="1">
-            <a:prstTxWarp prst="textNoShape">
-              <a:avLst/>
-            </a:prstTxWarp>
-            <a:noAutofit/>
-          </a:bodyPr>
-          <a:lstStyle/>
-          <a:p>
-            <a:pPr algn="ctr"/>
-            <a:endParaRPr lang="en-US" sz="2800" b="1" dirty="0">
-              <a:solidFill>
-                <a:srgbClr val="FFFFFF"/>
-              </a:solidFill>
-              <a:effectLst>
-                <a:outerShdw blurRad="38100" dist="38100" dir="2700000" algn="tl">
-                  <a:srgbClr val="000000">
-                    <a:alpha val="43137"/>
-                  </a:srgbClr>
-                </a:outerShdw>
-              </a:effectLst>
-            </a:endParaRPr>
-          </a:p>
-        </p:txBody>
-      </p:sp>
-      <p:sp>
-        <p:nvSpPr>
-          <p:cNvPr id="17" name="Rectangle 16"/>
-          <p:cNvSpPr/>
-          <p:nvPr/>
-        </p:nvSpPr>
-        <p:spPr bwMode="auto">
-          <a:xfrm>
-            <a:off x="6771000" y="4365451"/>
-            <a:ext cx="797203" cy="455826"/>
-          </a:xfrm>
-          <a:prstGeom prst="rect">
-            <a:avLst/>
-          </a:prstGeom>
-          <a:noFill/>
-          <a:ln w="38100">
-            <a:solidFill>
-              <a:schemeClr val="tx1">
-                <a:lumMod val="75000"/>
-                <a:alpha val="80000"/>
-              </a:schemeClr>
-            </a:solidFill>
-          </a:ln>
-          <a:effectLst/>
-        </p:spPr>
-        <p:style>
-          <a:lnRef idx="2">
-            <a:schemeClr val="accent1">
-              <a:shade val="50000"/>
-            </a:schemeClr>
-          </a:lnRef>
-          <a:fillRef idx="1001">
-            <a:schemeClr val="dk2"/>
-          </a:fillRef>
-          <a:effectRef idx="0">
-            <a:schemeClr val="accent1"/>
-          </a:effectRef>
-          <a:fontRef idx="minor">
-            <a:schemeClr val="lt1"/>
-          </a:fontRef>
-        </p:style>
-        <p:txBody>
-          <a:bodyPr rot="0" spcFirstLastPara="0" vertOverflow="overflow" horzOverflow="overflow" vert="horz" wrap="square" lIns="91440" tIns="45720" rIns="91440" bIns="45720" numCol="1" spcCol="0" rtlCol="0" fromWordArt="0" anchor="ctr" anchorCtr="0" forceAA="0" compatLnSpc="1">
-            <a:prstTxWarp prst="textNoShape">
-              <a:avLst/>
-            </a:prstTxWarp>
-            <a:noAutofit/>
-          </a:bodyPr>
-          <a:lstStyle/>
-          <a:p>
-            <a:pPr algn="ctr"/>
-            <a:endParaRPr lang="en-US" sz="2800" b="1" dirty="0">
-              <a:solidFill>
-                <a:srgbClr val="FFFFFF"/>
-              </a:solidFill>
-              <a:effectLst>
-                <a:outerShdw blurRad="38100" dist="38100" dir="2700000" algn="tl">
-                  <a:srgbClr val="000000">
-                    <a:alpha val="43137"/>
-                  </a:srgbClr>
-                </a:outerShdw>
-              </a:effectLst>
-            </a:endParaRPr>
-          </a:p>
-        </p:txBody>
-      </p:sp>
-      <p:sp>
-        <p:nvSpPr>
-          <p:cNvPr id="18" name="Rectangle 17"/>
-          <p:cNvSpPr/>
-          <p:nvPr/>
-        </p:nvSpPr>
-        <p:spPr bwMode="auto">
-          <a:xfrm>
-            <a:off x="7594761" y="4363140"/>
-            <a:ext cx="751239" cy="455826"/>
+            <a:off x="3813797" y="4309740"/>
+            <a:ext cx="1932943" cy="509226"/>
           </a:xfrm>
           <a:prstGeom prst="rect">
             <a:avLst/>
@@ -17443,7 +17417,7 @@
                                           </p:stCondLst>
                                         </p:cTn>
                                         <p:tgtEl>
-                                          <p:spTgt spid="16"/>
+                                          <p:spTgt spid="9"/>
                                         </p:tgtEl>
                                         <p:attrNameLst>
                                           <p:attrName>style.visibility</p:attrName>
@@ -17488,7 +17462,7 @@
                                           </p:stCondLst>
                                         </p:cTn>
                                         <p:tgtEl>
-                                          <p:spTgt spid="9"/>
+                                          <p:spTgt spid="10"/>
                                         </p:tgtEl>
                                         <p:attrNameLst>
                                           <p:attrName>style.visibility</p:attrName>
@@ -17528,141 +17502,6 @@
                                     <p:set>
                                       <p:cBhvr>
                                         <p:cTn id="34" dur="1" fill="hold">
-                                          <p:stCondLst>
-                                            <p:cond delay="0"/>
-                                          </p:stCondLst>
-                                        </p:cTn>
-                                        <p:tgtEl>
-                                          <p:spTgt spid="17"/>
-                                        </p:tgtEl>
-                                        <p:attrNameLst>
-                                          <p:attrName>style.visibility</p:attrName>
-                                        </p:attrNameLst>
-                                      </p:cBhvr>
-                                      <p:to>
-                                        <p:strVal val="visible"/>
-                                      </p:to>
-                                    </p:set>
-                                  </p:childTnLst>
-                                </p:cTn>
-                              </p:par>
-                            </p:childTnLst>
-                          </p:cTn>
-                        </p:par>
-                      </p:childTnLst>
-                    </p:cTn>
-                  </p:par>
-                  <p:par>
-                    <p:cTn id="35" fill="hold">
-                      <p:stCondLst>
-                        <p:cond delay="indefinite"/>
-                      </p:stCondLst>
-                      <p:childTnLst>
-                        <p:par>
-                          <p:cTn id="36" fill="hold">
-                            <p:stCondLst>
-                              <p:cond delay="0"/>
-                            </p:stCondLst>
-                            <p:childTnLst>
-                              <p:par>
-                                <p:cTn id="37" presetID="1" presetClass="entr" presetSubtype="0" fill="hold" grpId="0" nodeType="clickEffect">
-                                  <p:stCondLst>
-                                    <p:cond delay="0"/>
-                                  </p:stCondLst>
-                                  <p:childTnLst>
-                                    <p:set>
-                                      <p:cBhvr>
-                                        <p:cTn id="38" dur="1" fill="hold">
-                                          <p:stCondLst>
-                                            <p:cond delay="0"/>
-                                          </p:stCondLst>
-                                        </p:cTn>
-                                        <p:tgtEl>
-                                          <p:spTgt spid="10"/>
-                                        </p:tgtEl>
-                                        <p:attrNameLst>
-                                          <p:attrName>style.visibility</p:attrName>
-                                        </p:attrNameLst>
-                                      </p:cBhvr>
-                                      <p:to>
-                                        <p:strVal val="visible"/>
-                                      </p:to>
-                                    </p:set>
-                                  </p:childTnLst>
-                                </p:cTn>
-                              </p:par>
-                            </p:childTnLst>
-                          </p:cTn>
-                        </p:par>
-                      </p:childTnLst>
-                    </p:cTn>
-                  </p:par>
-                  <p:par>
-                    <p:cTn id="39" fill="hold">
-                      <p:stCondLst>
-                        <p:cond delay="indefinite"/>
-                      </p:stCondLst>
-                      <p:childTnLst>
-                        <p:par>
-                          <p:cTn id="40" fill="hold">
-                            <p:stCondLst>
-                              <p:cond delay="0"/>
-                            </p:stCondLst>
-                            <p:childTnLst>
-                              <p:par>
-                                <p:cTn id="41" presetID="1" presetClass="entr" presetSubtype="0" fill="hold" grpId="0" nodeType="clickEffect">
-                                  <p:stCondLst>
-                                    <p:cond delay="0"/>
-                                  </p:stCondLst>
-                                  <p:childTnLst>
-                                    <p:set>
-                                      <p:cBhvr>
-                                        <p:cTn id="42" dur="1" fill="hold">
-                                          <p:stCondLst>
-                                            <p:cond delay="0"/>
-                                          </p:stCondLst>
-                                        </p:cTn>
-                                        <p:tgtEl>
-                                          <p:spTgt spid="18"/>
-                                        </p:tgtEl>
-                                        <p:attrNameLst>
-                                          <p:attrName>style.visibility</p:attrName>
-                                        </p:attrNameLst>
-                                      </p:cBhvr>
-                                      <p:to>
-                                        <p:strVal val="visible"/>
-                                      </p:to>
-                                    </p:set>
-                                  </p:childTnLst>
-                                </p:cTn>
-                              </p:par>
-                            </p:childTnLst>
-                          </p:cTn>
-                        </p:par>
-                      </p:childTnLst>
-                    </p:cTn>
-                  </p:par>
-                  <p:par>
-                    <p:cTn id="43" fill="hold">
-                      <p:stCondLst>
-                        <p:cond delay="indefinite"/>
-                      </p:stCondLst>
-                      <p:childTnLst>
-                        <p:par>
-                          <p:cTn id="44" fill="hold">
-                            <p:stCondLst>
-                              <p:cond delay="0"/>
-                            </p:stCondLst>
-                            <p:childTnLst>
-                              <p:par>
-                                <p:cTn id="45" presetID="1" presetClass="entr" presetSubtype="0" fill="hold" grpId="0" nodeType="clickEffect">
-                                  <p:stCondLst>
-                                    <p:cond delay="0"/>
-                                  </p:stCondLst>
-                                  <p:childTnLst>
-                                    <p:set>
-                                      <p:cBhvr>
-                                        <p:cTn id="46" dur="1" fill="hold">
                                           <p:stCondLst>
                                             <p:cond delay="0"/>
                                           </p:stCondLst>
@@ -17716,9 +17555,6 @@
       <p:bldP spid="11" grpId="0" animBg="1"/>
       <p:bldP spid="12" grpId="0" animBg="1"/>
       <p:bldP spid="13" grpId="0" animBg="1"/>
-      <p:bldP spid="16" grpId="0" animBg="1"/>
-      <p:bldP spid="17" grpId="0" animBg="1"/>
-      <p:bldP spid="18" grpId="0" animBg="1"/>
     </p:bldLst>
   </p:timing>
 </p:sld>
@@ -17962,7 +17798,7 @@
                                         <p:tgtEl>
                                           <p:spTgt spid="3">
                                             <p:txEl>
-                                              <p:pRg st="2" end="2"/>
+                                              <p:pRg st="1" end="1"/>
                                             </p:txEl>
                                           </p:spTgt>
                                         </p:tgtEl>
@@ -18004,6 +17840,55 @@
                                     <p:set>
                                       <p:cBhvr>
                                         <p:cTn id="10" dur="1" fill="hold">
+                                          <p:stCondLst>
+                                            <p:cond delay="0"/>
+                                          </p:stCondLst>
+                                        </p:cTn>
+                                        <p:tgtEl>
+                                          <p:spTgt spid="3">
+                                            <p:txEl>
+                                              <p:pRg st="2" end="2"/>
+                                            </p:txEl>
+                                          </p:spTgt>
+                                        </p:tgtEl>
+                                        <p:attrNameLst>
+                                          <p:attrName>style.visibility</p:attrName>
+                                        </p:attrNameLst>
+                                      </p:cBhvr>
+                                      <p:to>
+                                        <p:strVal val="visible"/>
+                                      </p:to>
+                                    </p:set>
+                                  </p:childTnLst>
+                                </p:cTn>
+                              </p:par>
+                            </p:childTnLst>
+                          </p:cTn>
+                        </p:par>
+                      </p:childTnLst>
+                    </p:cTn>
+                  </p:par>
+                  <p:par>
+                    <p:cTn id="11" fill="hold">
+                      <p:stCondLst>
+                        <p:cond delay="indefinite"/>
+                      </p:stCondLst>
+                      <p:childTnLst>
+                        <p:par>
+                          <p:cTn id="12" fill="hold">
+                            <p:stCondLst>
+                              <p:cond delay="0"/>
+                            </p:stCondLst>
+                            <p:childTnLst>
+                              <p:par>
+                                <p:cTn id="13" presetID="1" presetClass="entr" presetSubtype="0" fill="hold" nodeType="clickEffect">
+                                  <p:stCondLst>
+                                    <p:cond delay="0"/>
+                                  </p:stCondLst>
+                                  <p:childTnLst>
+                                    <p:set>
+                                      <p:cBhvr>
+                                        <p:cTn id="14" dur="1" fill="hold">
                                           <p:stCondLst>
                                             <p:cond delay="0"/>
                                           </p:stCondLst>
@@ -18140,14 +18025,13 @@
               </a:ext>
             </a:extLst>
           </a:blip>
-          <a:stretch>
-            <a:fillRect/>
-          </a:stretch>
+          <a:srcRect/>
+          <a:stretch/>
         </p:blipFill>
         <p:spPr>
           <a:xfrm>
-            <a:off x="3643330" y="1719000"/>
-            <a:ext cx="4985241" cy="4382112"/>
+            <a:off x="3770317" y="1628711"/>
+            <a:ext cx="4717050" cy="4382112"/>
           </a:xfrm>
           <a:prstGeom prst="rect">
             <a:avLst/>
@@ -18161,451 +18045,6 @@
           </a:ln>
         </p:spPr>
       </p:pic>
-      <p:grpSp>
-        <p:nvGrpSpPr>
-          <p:cNvPr id="96" name="Group 95"/>
-          <p:cNvGrpSpPr/>
-          <p:nvPr/>
-        </p:nvGrpSpPr>
-        <p:grpSpPr>
-          <a:xfrm>
-            <a:off x="3754871" y="3879000"/>
-            <a:ext cx="1768034" cy="2250000"/>
-            <a:chOff x="3754871" y="3879000"/>
-            <a:chExt cx="1768034" cy="2250000"/>
-          </a:xfrm>
-        </p:grpSpPr>
-        <p:cxnSp>
-          <p:nvCxnSpPr>
-            <p:cNvPr id="9" name="Straight Connector 8"/>
-            <p:cNvCxnSpPr/>
-            <p:nvPr/>
-          </p:nvCxnSpPr>
-          <p:spPr>
-            <a:xfrm>
-              <a:off x="3754871" y="3879000"/>
-              <a:ext cx="0" cy="2240042"/>
-            </a:xfrm>
-            <a:prstGeom prst="line">
-              <a:avLst/>
-            </a:prstGeom>
-            <a:ln w="38100"/>
-          </p:spPr>
-          <p:style>
-            <a:lnRef idx="1">
-              <a:schemeClr val="dk1"/>
-            </a:lnRef>
-            <a:fillRef idx="0">
-              <a:schemeClr val="dk1"/>
-            </a:fillRef>
-            <a:effectRef idx="0">
-              <a:schemeClr val="dk1"/>
-            </a:effectRef>
-            <a:fontRef idx="minor">
-              <a:schemeClr val="tx1"/>
-            </a:fontRef>
-          </p:style>
-        </p:cxnSp>
-        <p:cxnSp>
-          <p:nvCxnSpPr>
-            <p:cNvPr id="14" name="Straight Connector 13"/>
-            <p:cNvCxnSpPr/>
-            <p:nvPr/>
-          </p:nvCxnSpPr>
-          <p:spPr>
-            <a:xfrm flipH="1">
-              <a:off x="5028490" y="3879000"/>
-              <a:ext cx="3386" cy="352063"/>
-            </a:xfrm>
-            <a:prstGeom prst="line">
-              <a:avLst/>
-            </a:prstGeom>
-            <a:ln w="38100"/>
-          </p:spPr>
-          <p:style>
-            <a:lnRef idx="1">
-              <a:schemeClr val="dk1"/>
-            </a:lnRef>
-            <a:fillRef idx="0">
-              <a:schemeClr val="dk1"/>
-            </a:fillRef>
-            <a:effectRef idx="0">
-              <a:schemeClr val="dk1"/>
-            </a:effectRef>
-            <a:fontRef idx="minor">
-              <a:schemeClr val="tx1"/>
-            </a:fontRef>
-          </p:style>
-        </p:cxnSp>
-        <p:cxnSp>
-          <p:nvCxnSpPr>
-            <p:cNvPr id="20" name="Straight Connector 19"/>
-            <p:cNvCxnSpPr/>
-            <p:nvPr/>
-          </p:nvCxnSpPr>
-          <p:spPr>
-            <a:xfrm>
-              <a:off x="5009975" y="4239000"/>
-              <a:ext cx="512930" cy="0"/>
-            </a:xfrm>
-            <a:prstGeom prst="line">
-              <a:avLst/>
-            </a:prstGeom>
-            <a:ln w="38100"/>
-          </p:spPr>
-          <p:style>
-            <a:lnRef idx="1">
-              <a:schemeClr val="dk1"/>
-            </a:lnRef>
-            <a:fillRef idx="0">
-              <a:schemeClr val="dk1"/>
-            </a:fillRef>
-            <a:effectRef idx="0">
-              <a:schemeClr val="dk1"/>
-            </a:effectRef>
-            <a:fontRef idx="minor">
-              <a:schemeClr val="tx1"/>
-            </a:fontRef>
-          </p:style>
-        </p:cxnSp>
-        <p:cxnSp>
-          <p:nvCxnSpPr>
-            <p:cNvPr id="22" name="Straight Connector 21"/>
-            <p:cNvCxnSpPr/>
-            <p:nvPr/>
-          </p:nvCxnSpPr>
-          <p:spPr>
-            <a:xfrm>
-              <a:off x="5511000" y="4239000"/>
-              <a:ext cx="0" cy="1890000"/>
-            </a:xfrm>
-            <a:prstGeom prst="line">
-              <a:avLst/>
-            </a:prstGeom>
-            <a:ln w="38100"/>
-          </p:spPr>
-          <p:style>
-            <a:lnRef idx="1">
-              <a:schemeClr val="dk1"/>
-            </a:lnRef>
-            <a:fillRef idx="0">
-              <a:schemeClr val="dk1"/>
-            </a:fillRef>
-            <a:effectRef idx="0">
-              <a:schemeClr val="dk1"/>
-            </a:effectRef>
-            <a:fontRef idx="minor">
-              <a:schemeClr val="tx1"/>
-            </a:fontRef>
-          </p:style>
-        </p:cxnSp>
-        <p:cxnSp>
-          <p:nvCxnSpPr>
-            <p:cNvPr id="26" name="Straight Connector 25"/>
-            <p:cNvCxnSpPr/>
-            <p:nvPr/>
-          </p:nvCxnSpPr>
-          <p:spPr>
-            <a:xfrm flipH="1" flipV="1">
-              <a:off x="3754872" y="6097937"/>
-              <a:ext cx="1756128" cy="17930"/>
-            </a:xfrm>
-            <a:prstGeom prst="line">
-              <a:avLst/>
-            </a:prstGeom>
-            <a:ln w="38100"/>
-          </p:spPr>
-          <p:style>
-            <a:lnRef idx="1">
-              <a:schemeClr val="dk1"/>
-            </a:lnRef>
-            <a:fillRef idx="0">
-              <a:schemeClr val="dk1"/>
-            </a:fillRef>
-            <a:effectRef idx="0">
-              <a:schemeClr val="dk1"/>
-            </a:effectRef>
-            <a:fontRef idx="minor">
-              <a:schemeClr val="tx1"/>
-            </a:fontRef>
-          </p:style>
-        </p:cxnSp>
-      </p:grpSp>
-      <p:grpSp>
-        <p:nvGrpSpPr>
-          <p:cNvPr id="95" name="Group 94"/>
-          <p:cNvGrpSpPr/>
-          <p:nvPr/>
-        </p:nvGrpSpPr>
-        <p:grpSpPr>
-          <a:xfrm>
-            <a:off x="3756000" y="2241070"/>
-            <a:ext cx="1280426" cy="1662636"/>
-            <a:chOff x="3756000" y="2241070"/>
-            <a:chExt cx="1280426" cy="1662636"/>
-          </a:xfrm>
-        </p:grpSpPr>
-        <p:cxnSp>
-          <p:nvCxnSpPr>
-            <p:cNvPr id="39" name="Straight Connector 38"/>
-            <p:cNvCxnSpPr/>
-            <p:nvPr/>
-          </p:nvCxnSpPr>
-          <p:spPr>
-            <a:xfrm>
-              <a:off x="3756000" y="2241070"/>
-              <a:ext cx="0" cy="1662636"/>
-            </a:xfrm>
-            <a:prstGeom prst="line">
-              <a:avLst/>
-            </a:prstGeom>
-            <a:ln w="38100">
-              <a:solidFill>
-                <a:srgbClr val="234465"/>
-              </a:solidFill>
-            </a:ln>
-          </p:spPr>
-          <p:style>
-            <a:lnRef idx="1">
-              <a:schemeClr val="dk1"/>
-            </a:lnRef>
-            <a:fillRef idx="0">
-              <a:schemeClr val="dk1"/>
-            </a:fillRef>
-            <a:effectRef idx="0">
-              <a:schemeClr val="dk1"/>
-            </a:effectRef>
-            <a:fontRef idx="minor">
-              <a:schemeClr val="tx1"/>
-            </a:fontRef>
-          </p:style>
-        </p:cxnSp>
-        <p:cxnSp>
-          <p:nvCxnSpPr>
-            <p:cNvPr id="42" name="Straight Connector 41"/>
-            <p:cNvCxnSpPr/>
-            <p:nvPr/>
-          </p:nvCxnSpPr>
-          <p:spPr>
-            <a:xfrm>
-              <a:off x="3756000" y="2259000"/>
-              <a:ext cx="1269315" cy="0"/>
-            </a:xfrm>
-            <a:prstGeom prst="line">
-              <a:avLst/>
-            </a:prstGeom>
-            <a:ln w="38100">
-              <a:solidFill>
-                <a:srgbClr val="234465"/>
-              </a:solidFill>
-            </a:ln>
-          </p:spPr>
-          <p:style>
-            <a:lnRef idx="1">
-              <a:schemeClr val="dk1"/>
-            </a:lnRef>
-            <a:fillRef idx="0">
-              <a:schemeClr val="dk1"/>
-            </a:fillRef>
-            <a:effectRef idx="0">
-              <a:schemeClr val="dk1"/>
-            </a:effectRef>
-            <a:fontRef idx="minor">
-              <a:schemeClr val="tx1"/>
-            </a:fontRef>
-          </p:style>
-        </p:cxnSp>
-        <p:cxnSp>
-          <p:nvCxnSpPr>
-            <p:cNvPr id="45" name="Straight Connector 44"/>
-            <p:cNvCxnSpPr/>
-            <p:nvPr/>
-          </p:nvCxnSpPr>
-          <p:spPr>
-            <a:xfrm flipV="1">
-              <a:off x="5036426" y="2241070"/>
-              <a:ext cx="0" cy="1637930"/>
-            </a:xfrm>
-            <a:prstGeom prst="line">
-              <a:avLst/>
-            </a:prstGeom>
-            <a:ln w="38100">
-              <a:solidFill>
-                <a:srgbClr val="234465"/>
-              </a:solidFill>
-            </a:ln>
-          </p:spPr>
-          <p:style>
-            <a:lnRef idx="1">
-              <a:schemeClr val="dk1"/>
-            </a:lnRef>
-            <a:fillRef idx="0">
-              <a:schemeClr val="dk1"/>
-            </a:fillRef>
-            <a:effectRef idx="0">
-              <a:schemeClr val="dk1"/>
-            </a:effectRef>
-            <a:fontRef idx="minor">
-              <a:schemeClr val="tx1"/>
-            </a:fontRef>
-          </p:style>
-        </p:cxnSp>
-        <p:cxnSp>
-          <p:nvCxnSpPr>
-            <p:cNvPr id="48" name="Straight Connector 47"/>
-            <p:cNvCxnSpPr/>
-            <p:nvPr/>
-          </p:nvCxnSpPr>
-          <p:spPr>
-            <a:xfrm flipH="1">
-              <a:off x="3756000" y="3879000"/>
-              <a:ext cx="1269315" cy="0"/>
-            </a:xfrm>
-            <a:prstGeom prst="line">
-              <a:avLst/>
-            </a:prstGeom>
-            <a:ln w="38100">
-              <a:solidFill>
-                <a:srgbClr val="234465"/>
-              </a:solidFill>
-            </a:ln>
-          </p:spPr>
-          <p:style>
-            <a:lnRef idx="1">
-              <a:schemeClr val="dk1"/>
-            </a:lnRef>
-            <a:fillRef idx="0">
-              <a:schemeClr val="dk1"/>
-            </a:fillRef>
-            <a:effectRef idx="0">
-              <a:schemeClr val="dk1"/>
-            </a:effectRef>
-            <a:fontRef idx="minor">
-              <a:schemeClr val="tx1"/>
-            </a:fontRef>
-          </p:style>
-        </p:cxnSp>
-      </p:grpSp>
-      <p:grpSp>
-        <p:nvGrpSpPr>
-          <p:cNvPr id="94" name="Group 93"/>
-          <p:cNvGrpSpPr/>
-          <p:nvPr/>
-        </p:nvGrpSpPr>
-        <p:grpSpPr>
-          <a:xfrm>
-            <a:off x="5018966" y="2259000"/>
-            <a:ext cx="2382034" cy="2295001"/>
-            <a:chOff x="5018966" y="2259000"/>
-            <a:chExt cx="2382034" cy="2295001"/>
-          </a:xfrm>
-        </p:grpSpPr>
-        <p:cxnSp>
-          <p:nvCxnSpPr>
-            <p:cNvPr id="71" name="Straight Connector 70"/>
-            <p:cNvCxnSpPr/>
-            <p:nvPr/>
-          </p:nvCxnSpPr>
-          <p:spPr>
-            <a:xfrm>
-              <a:off x="5018966" y="2276112"/>
-              <a:ext cx="2382034" cy="819"/>
-            </a:xfrm>
-            <a:prstGeom prst="line">
-              <a:avLst/>
-            </a:prstGeom>
-            <a:ln w="38100">
-              <a:solidFill>
-                <a:srgbClr val="234465"/>
-              </a:solidFill>
-            </a:ln>
-          </p:spPr>
-          <p:style>
-            <a:lnRef idx="1">
-              <a:schemeClr val="dk1"/>
-            </a:lnRef>
-            <a:fillRef idx="0">
-              <a:schemeClr val="dk1"/>
-            </a:fillRef>
-            <a:effectRef idx="0">
-              <a:schemeClr val="dk1"/>
-            </a:effectRef>
-            <a:fontRef idx="minor">
-              <a:schemeClr val="tx1"/>
-            </a:fontRef>
-          </p:style>
-        </p:cxnSp>
-        <p:cxnSp>
-          <p:nvCxnSpPr>
-            <p:cNvPr id="72" name="Straight Connector 71"/>
-            <p:cNvCxnSpPr/>
-            <p:nvPr/>
-          </p:nvCxnSpPr>
-          <p:spPr>
-            <a:xfrm flipV="1">
-              <a:off x="7401000" y="2259000"/>
-              <a:ext cx="0" cy="2295001"/>
-            </a:xfrm>
-            <a:prstGeom prst="line">
-              <a:avLst/>
-            </a:prstGeom>
-            <a:ln w="38100">
-              <a:solidFill>
-                <a:srgbClr val="234465"/>
-              </a:solidFill>
-            </a:ln>
-          </p:spPr>
-          <p:style>
-            <a:lnRef idx="1">
-              <a:schemeClr val="dk1"/>
-            </a:lnRef>
-            <a:fillRef idx="0">
-              <a:schemeClr val="dk1"/>
-            </a:fillRef>
-            <a:effectRef idx="0">
-              <a:schemeClr val="dk1"/>
-            </a:effectRef>
-            <a:fontRef idx="minor">
-              <a:schemeClr val="tx1"/>
-            </a:fontRef>
-          </p:style>
-        </p:cxnSp>
-        <p:cxnSp>
-          <p:nvCxnSpPr>
-            <p:cNvPr id="75" name="Straight Connector 74"/>
-            <p:cNvCxnSpPr/>
-            <p:nvPr/>
-          </p:nvCxnSpPr>
-          <p:spPr>
-            <a:xfrm flipH="1">
-              <a:off x="5511000" y="4538125"/>
-              <a:ext cx="1890000" cy="1"/>
-            </a:xfrm>
-            <a:prstGeom prst="line">
-              <a:avLst/>
-            </a:prstGeom>
-            <a:ln w="38100">
-              <a:solidFill>
-                <a:srgbClr val="234465"/>
-              </a:solidFill>
-            </a:ln>
-          </p:spPr>
-          <p:style>
-            <a:lnRef idx="1">
-              <a:schemeClr val="dk1"/>
-            </a:lnRef>
-            <a:fillRef idx="0">
-              <a:schemeClr val="dk1"/>
-            </a:fillRef>
-            <a:effectRef idx="0">
-              <a:schemeClr val="dk1"/>
-            </a:effectRef>
-            <a:fontRef idx="minor">
-              <a:schemeClr val="tx1"/>
-            </a:fontRef>
-          </p:style>
-        </p:cxnSp>
-      </p:grpSp>
       <p:sp>
         <p:nvSpPr>
           <p:cNvPr id="97" name="Rounded Rectangular Callout 96"/>
@@ -18619,8 +18058,8 @@
           </a:xfrm>
           <a:prstGeom prst="wedgeRoundRectCallout">
             <a:avLst>
-              <a:gd name="adj1" fmla="val 52762"/>
-              <a:gd name="adj2" fmla="val 102948"/>
+              <a:gd name="adj1" fmla="val 59506"/>
+              <a:gd name="adj2" fmla="val 146693"/>
               <a:gd name="adj3" fmla="val 16667"/>
             </a:avLst>
           </a:prstGeom>
@@ -18703,13 +18142,13 @@
         </p:nvSpPr>
         <p:spPr bwMode="auto">
           <a:xfrm>
-            <a:off x="525760" y="3702486"/>
+            <a:off x="541206" y="3819767"/>
             <a:ext cx="3012985" cy="705090"/>
           </a:xfrm>
           <a:prstGeom prst="wedgeRoundRectCallout">
             <a:avLst>
-              <a:gd name="adj1" fmla="val 52762"/>
-              <a:gd name="adj2" fmla="val 102948"/>
+              <a:gd name="adj1" fmla="val 58832"/>
+              <a:gd name="adj2" fmla="val 107271"/>
               <a:gd name="adj3" fmla="val 16667"/>
             </a:avLst>
           </a:prstGeom>
@@ -18792,7 +18231,7 @@
         </p:nvSpPr>
         <p:spPr bwMode="auto">
           <a:xfrm>
-            <a:off x="7941000" y="1637855"/>
+            <a:off x="8076000" y="1809000"/>
             <a:ext cx="3195000" cy="705090"/>
           </a:xfrm>
           <a:prstGeom prst="wedgeRoundRectCallout">
@@ -18912,7 +18351,7 @@
                             </p:stCondLst>
                             <p:childTnLst>
                               <p:par>
-                                <p:cTn id="5" presetID="1" presetClass="entr" presetSubtype="0" fill="hold" nodeType="clickEffect">
+                                <p:cTn id="5" presetID="1" presetClass="entr" presetSubtype="0" fill="hold" grpId="0" nodeType="clickEffect">
                                   <p:stCondLst>
                                     <p:cond delay="0"/>
                                   </p:stCondLst>
@@ -18925,7 +18364,7 @@
                                           </p:stCondLst>
                                         </p:cTn>
                                         <p:tgtEl>
-                                          <p:spTgt spid="95"/>
+                                          <p:spTgt spid="97"/>
                                         </p:tgtEl>
                                         <p:attrNameLst>
                                           <p:attrName>style.visibility</p:attrName>
@@ -18970,7 +18409,7 @@
                                           </p:stCondLst>
                                         </p:cTn>
                                         <p:tgtEl>
-                                          <p:spTgt spid="97"/>
+                                          <p:spTgt spid="98"/>
                                         </p:tgtEl>
                                         <p:attrNameLst>
                                           <p:attrName>style.visibility</p:attrName>
@@ -19002,7 +18441,7 @@
                             </p:stCondLst>
                             <p:childTnLst>
                               <p:par>
-                                <p:cTn id="13" presetID="1" presetClass="entr" presetSubtype="0" fill="hold" nodeType="clickEffect">
+                                <p:cTn id="13" presetID="1" presetClass="entr" presetSubtype="0" fill="hold" grpId="0" nodeType="clickEffect">
                                   <p:stCondLst>
                                     <p:cond delay="0"/>
                                   </p:stCondLst>
@@ -19010,141 +18449,6 @@
                                     <p:set>
                                       <p:cBhvr>
                                         <p:cTn id="14" dur="1" fill="hold">
-                                          <p:stCondLst>
-                                            <p:cond delay="0"/>
-                                          </p:stCondLst>
-                                        </p:cTn>
-                                        <p:tgtEl>
-                                          <p:spTgt spid="96"/>
-                                        </p:tgtEl>
-                                        <p:attrNameLst>
-                                          <p:attrName>style.visibility</p:attrName>
-                                        </p:attrNameLst>
-                                      </p:cBhvr>
-                                      <p:to>
-                                        <p:strVal val="visible"/>
-                                      </p:to>
-                                    </p:set>
-                                  </p:childTnLst>
-                                </p:cTn>
-                              </p:par>
-                            </p:childTnLst>
-                          </p:cTn>
-                        </p:par>
-                      </p:childTnLst>
-                    </p:cTn>
-                  </p:par>
-                  <p:par>
-                    <p:cTn id="15" fill="hold">
-                      <p:stCondLst>
-                        <p:cond delay="indefinite"/>
-                      </p:stCondLst>
-                      <p:childTnLst>
-                        <p:par>
-                          <p:cTn id="16" fill="hold">
-                            <p:stCondLst>
-                              <p:cond delay="0"/>
-                            </p:stCondLst>
-                            <p:childTnLst>
-                              <p:par>
-                                <p:cTn id="17" presetID="1" presetClass="entr" presetSubtype="0" fill="hold" grpId="0" nodeType="clickEffect">
-                                  <p:stCondLst>
-                                    <p:cond delay="0"/>
-                                  </p:stCondLst>
-                                  <p:childTnLst>
-                                    <p:set>
-                                      <p:cBhvr>
-                                        <p:cTn id="18" dur="1" fill="hold">
-                                          <p:stCondLst>
-                                            <p:cond delay="0"/>
-                                          </p:stCondLst>
-                                        </p:cTn>
-                                        <p:tgtEl>
-                                          <p:spTgt spid="98"/>
-                                        </p:tgtEl>
-                                        <p:attrNameLst>
-                                          <p:attrName>style.visibility</p:attrName>
-                                        </p:attrNameLst>
-                                      </p:cBhvr>
-                                      <p:to>
-                                        <p:strVal val="visible"/>
-                                      </p:to>
-                                    </p:set>
-                                  </p:childTnLst>
-                                </p:cTn>
-                              </p:par>
-                            </p:childTnLst>
-                          </p:cTn>
-                        </p:par>
-                      </p:childTnLst>
-                    </p:cTn>
-                  </p:par>
-                  <p:par>
-                    <p:cTn id="19" fill="hold">
-                      <p:stCondLst>
-                        <p:cond delay="indefinite"/>
-                      </p:stCondLst>
-                      <p:childTnLst>
-                        <p:par>
-                          <p:cTn id="20" fill="hold">
-                            <p:stCondLst>
-                              <p:cond delay="0"/>
-                            </p:stCondLst>
-                            <p:childTnLst>
-                              <p:par>
-                                <p:cTn id="21" presetID="1" presetClass="entr" presetSubtype="0" fill="hold" nodeType="clickEffect">
-                                  <p:stCondLst>
-                                    <p:cond delay="0"/>
-                                  </p:stCondLst>
-                                  <p:childTnLst>
-                                    <p:set>
-                                      <p:cBhvr>
-                                        <p:cTn id="22" dur="1" fill="hold">
-                                          <p:stCondLst>
-                                            <p:cond delay="0"/>
-                                          </p:stCondLst>
-                                        </p:cTn>
-                                        <p:tgtEl>
-                                          <p:spTgt spid="94"/>
-                                        </p:tgtEl>
-                                        <p:attrNameLst>
-                                          <p:attrName>style.visibility</p:attrName>
-                                        </p:attrNameLst>
-                                      </p:cBhvr>
-                                      <p:to>
-                                        <p:strVal val="visible"/>
-                                      </p:to>
-                                    </p:set>
-                                  </p:childTnLst>
-                                </p:cTn>
-                              </p:par>
-                            </p:childTnLst>
-                          </p:cTn>
-                        </p:par>
-                      </p:childTnLst>
-                    </p:cTn>
-                  </p:par>
-                  <p:par>
-                    <p:cTn id="23" fill="hold">
-                      <p:stCondLst>
-                        <p:cond delay="indefinite"/>
-                      </p:stCondLst>
-                      <p:childTnLst>
-                        <p:par>
-                          <p:cTn id="24" fill="hold">
-                            <p:stCondLst>
-                              <p:cond delay="0"/>
-                            </p:stCondLst>
-                            <p:childTnLst>
-                              <p:par>
-                                <p:cTn id="25" presetID="1" presetClass="entr" presetSubtype="0" fill="hold" grpId="0" nodeType="clickEffect">
-                                  <p:stCondLst>
-                                    <p:cond delay="0"/>
-                                  </p:stCondLst>
-                                  <p:childTnLst>
-                                    <p:set>
-                                      <p:cBhvr>
-                                        <p:cTn id="26" dur="1" fill="hold">
                                           <p:stCondLst>
                                             <p:cond delay="0"/>
                                           </p:stCondLst>
@@ -19315,14 +18619,13 @@
               </a:ext>
             </a:extLst>
           </a:blip>
-          <a:stretch>
-            <a:fillRect/>
-          </a:stretch>
+          <a:srcRect/>
+          <a:stretch/>
         </p:blipFill>
         <p:spPr>
           <a:xfrm>
-            <a:off x="3791190" y="3609000"/>
-            <a:ext cx="4616520" cy="1603448"/>
+            <a:off x="3791190" y="3634892"/>
+            <a:ext cx="4616520" cy="1551663"/>
           </a:xfrm>
           <a:prstGeom prst="rect">
             <a:avLst/>
@@ -19345,7 +18648,7 @@
         <p:spPr bwMode="auto">
           <a:xfrm>
             <a:off x="3864105" y="3733555"/>
-            <a:ext cx="1196895" cy="505445"/>
+            <a:ext cx="1257110" cy="505445"/>
           </a:xfrm>
           <a:prstGeom prst="rect">
             <a:avLst/>
@@ -19499,8 +18802,8 @@
         </p:nvSpPr>
         <p:spPr bwMode="auto">
           <a:xfrm>
-            <a:off x="3864105" y="4257018"/>
-            <a:ext cx="1196895" cy="505445"/>
+            <a:off x="3864105" y="4239000"/>
+            <a:ext cx="1257110" cy="523463"/>
           </a:xfrm>
           <a:prstGeom prst="rect">
             <a:avLst/>
@@ -19886,72 +19189,6 @@
               </a:rPr>
               <a:t>Ориентация</a:t>
             </a:r>
-            <a:endParaRPr lang="en-US" sz="2800" b="1" dirty="0">
-              <a:solidFill>
-                <a:srgbClr val="FFFFFF"/>
-              </a:solidFill>
-              <a:effectLst>
-                <a:outerShdw blurRad="38100" dist="38100" dir="2700000" algn="tl">
-                  <a:srgbClr val="000000">
-                    <a:alpha val="43137"/>
-                  </a:srgbClr>
-                </a:outerShdw>
-              </a:effectLst>
-            </a:endParaRPr>
-          </a:p>
-        </p:txBody>
-      </p:sp>
-      <p:sp>
-        <p:nvSpPr>
-          <p:cNvPr id="13" name="Rectangle 12"/>
-          <p:cNvSpPr/>
-          <p:nvPr/>
-        </p:nvSpPr>
-        <p:spPr bwMode="auto">
-          <a:xfrm>
-            <a:off x="5121215" y="3730837"/>
-            <a:ext cx="669949" cy="505445"/>
-          </a:xfrm>
-          <a:prstGeom prst="rect">
-            <a:avLst/>
-          </a:prstGeom>
-          <a:noFill/>
-          <a:ln w="38100">
-            <a:solidFill>
-              <a:schemeClr val="tx1">
-                <a:lumMod val="75000"/>
-                <a:alpha val="80000"/>
-              </a:schemeClr>
-            </a:solidFill>
-          </a:ln>
-          <a:effectLst/>
-        </p:spPr>
-        <p:style>
-          <a:lnRef idx="2">
-            <a:schemeClr val="accent1">
-              <a:shade val="50000"/>
-            </a:schemeClr>
-          </a:lnRef>
-          <a:fillRef idx="1001">
-            <a:schemeClr val="dk2"/>
-          </a:fillRef>
-          <a:effectRef idx="0">
-            <a:schemeClr val="accent1"/>
-          </a:effectRef>
-          <a:fontRef idx="minor">
-            <a:schemeClr val="lt1"/>
-          </a:fontRef>
-        </p:style>
-        <p:txBody>
-          <a:bodyPr rot="0" spcFirstLastPara="0" vertOverflow="overflow" horzOverflow="overflow" vert="horz" wrap="square" lIns="91440" tIns="45720" rIns="91440" bIns="45720" numCol="1" spcCol="0" rtlCol="0" fromWordArt="0" anchor="ctr" anchorCtr="0" forceAA="0" compatLnSpc="1">
-            <a:prstTxWarp prst="textNoShape">
-              <a:avLst/>
-            </a:prstTxWarp>
-            <a:noAutofit/>
-          </a:bodyPr>
-          <a:lstStyle/>
-          <a:p>
-            <a:pPr algn="ctr"/>
             <a:endParaRPr lang="en-US" sz="2800" b="1" dirty="0">
               <a:solidFill>
                 <a:srgbClr val="FFFFFF"/>
@@ -20154,7 +19391,7 @@
                                           </p:stCondLst>
                                         </p:cTn>
                                         <p:tgtEl>
-                                          <p:spTgt spid="13"/>
+                                          <p:spTgt spid="12"/>
                                         </p:tgtEl>
                                         <p:attrNameLst>
                                           <p:attrName>style.visibility</p:attrName>
@@ -20199,7 +19436,7 @@
                                           </p:stCondLst>
                                         </p:cTn>
                                         <p:tgtEl>
-                                          <p:spTgt spid="12"/>
+                                          <p:spTgt spid="10"/>
                                         </p:tgtEl>
                                         <p:attrNameLst>
                                           <p:attrName>style.visibility</p:attrName>
@@ -20244,7 +19481,7 @@
                                           </p:stCondLst>
                                         </p:cTn>
                                         <p:tgtEl>
-                                          <p:spTgt spid="10"/>
+                                          <p:spTgt spid="8"/>
                                         </p:tgtEl>
                                         <p:attrNameLst>
                                           <p:attrName>style.visibility</p:attrName>
@@ -20289,7 +19526,7 @@
                                           </p:stCondLst>
                                         </p:cTn>
                                         <p:tgtEl>
-                                          <p:spTgt spid="8"/>
+                                          <p:spTgt spid="9"/>
                                         </p:tgtEl>
                                         <p:attrNameLst>
                                           <p:attrName>style.visibility</p:attrName>
@@ -20329,51 +19566,6 @@
                                     <p:set>
                                       <p:cBhvr>
                                         <p:cTn id="34" dur="1" fill="hold">
-                                          <p:stCondLst>
-                                            <p:cond delay="0"/>
-                                          </p:stCondLst>
-                                        </p:cTn>
-                                        <p:tgtEl>
-                                          <p:spTgt spid="9"/>
-                                        </p:tgtEl>
-                                        <p:attrNameLst>
-                                          <p:attrName>style.visibility</p:attrName>
-                                        </p:attrNameLst>
-                                      </p:cBhvr>
-                                      <p:to>
-                                        <p:strVal val="visible"/>
-                                      </p:to>
-                                    </p:set>
-                                  </p:childTnLst>
-                                </p:cTn>
-                              </p:par>
-                            </p:childTnLst>
-                          </p:cTn>
-                        </p:par>
-                      </p:childTnLst>
-                    </p:cTn>
-                  </p:par>
-                  <p:par>
-                    <p:cTn id="35" fill="hold">
-                      <p:stCondLst>
-                        <p:cond delay="indefinite"/>
-                      </p:stCondLst>
-                      <p:childTnLst>
-                        <p:par>
-                          <p:cTn id="36" fill="hold">
-                            <p:stCondLst>
-                              <p:cond delay="0"/>
-                            </p:stCondLst>
-                            <p:childTnLst>
-                              <p:par>
-                                <p:cTn id="37" presetID="1" presetClass="entr" presetSubtype="0" fill="hold" grpId="0" nodeType="clickEffect">
-                                  <p:stCondLst>
-                                    <p:cond delay="0"/>
-                                  </p:stCondLst>
-                                  <p:childTnLst>
-                                    <p:set>
-                                      <p:cBhvr>
-                                        <p:cTn id="38" dur="1" fill="hold">
                                           <p:stCondLst>
                                             <p:cond delay="0"/>
                                           </p:stCondLst>
@@ -20427,7 +19619,6 @@
       <p:bldP spid="10" grpId="0" animBg="1"/>
       <p:bldP spid="11" grpId="0" animBg="1"/>
       <p:bldP spid="12" grpId="0" animBg="1"/>
-      <p:bldP spid="13" grpId="0" animBg="1"/>
     </p:bldLst>
   </p:timing>
 </p:sld>
@@ -20450,6 +19641,43 @@
           <a:chExt cx="0" cy="0"/>
         </a:xfrm>
       </p:grpSpPr>
+      <p:pic>
+        <p:nvPicPr>
+          <p:cNvPr id="7" name="Picture 6">
+            <a:extLst>
+              <a:ext uri="{FF2B5EF4-FFF2-40B4-BE49-F238E27FC236}">
+                <a16:creationId xmlns:a16="http://schemas.microsoft.com/office/drawing/2014/main" id="{201845F2-D620-5591-BED3-854B944EDEDA}"/>
+              </a:ext>
+            </a:extLst>
+          </p:cNvPr>
+          <p:cNvPicPr>
+            <a:picLocks noChangeAspect="1"/>
+          </p:cNvPicPr>
+          <p:nvPr/>
+        </p:nvPicPr>
+        <p:blipFill>
+          <a:blip r:embed="rId2"/>
+          <a:stretch>
+            <a:fillRect/>
+          </a:stretch>
+        </p:blipFill>
+        <p:spPr>
+          <a:xfrm>
+            <a:off x="960703" y="1269000"/>
+            <a:ext cx="10270594" cy="5418175"/>
+          </a:xfrm>
+          <a:prstGeom prst="rect">
+            <a:avLst/>
+          </a:prstGeom>
+          <a:ln>
+            <a:solidFill>
+              <a:schemeClr val="bg2">
+                <a:lumMod val="75000"/>
+              </a:schemeClr>
+            </a:solidFill>
+          </a:ln>
+        </p:spPr>
+      </p:pic>
       <p:sp>
         <p:nvSpPr>
           <p:cNvPr id="2" name="Slide Number Placeholder 1"/>
@@ -20497,42 +19725,6 @@
           </a:p>
         </p:txBody>
       </p:sp>
-      <p:pic>
-        <p:nvPicPr>
-          <p:cNvPr id="6" name="Picture 5"/>
-          <p:cNvPicPr>
-            <a:picLocks noChangeAspect="1"/>
-          </p:cNvPicPr>
-          <p:nvPr/>
-        </p:nvPicPr>
-        <p:blipFill rotWithShape="1">
-          <a:blip r:embed="rId2">
-            <a:extLst>
-              <a:ext uri="{28A0092B-C50C-407E-A947-70E740481C1C}">
-                <a14:useLocalDpi xmlns:a14="http://schemas.microsoft.com/office/drawing/2010/main" val="0"/>
-              </a:ext>
-            </a:extLst>
-          </a:blip>
-          <a:srcRect b="15145"/>
-          <a:stretch/>
-        </p:blipFill>
-        <p:spPr>
-          <a:xfrm>
-            <a:off x="426000" y="1257900"/>
-            <a:ext cx="11340000" cy="5412669"/>
-          </a:xfrm>
-          <a:prstGeom prst="rect">
-            <a:avLst/>
-          </a:prstGeom>
-          <a:ln>
-            <a:solidFill>
-              <a:schemeClr val="bg2">
-                <a:lumMod val="75000"/>
-              </a:schemeClr>
-            </a:solidFill>
-          </a:ln>
-        </p:spPr>
-      </p:pic>
       <p:sp>
         <p:nvSpPr>
           <p:cNvPr id="5" name="Right Arrow 4"/>
@@ -20541,7 +19733,7 @@
         </p:nvSpPr>
         <p:spPr bwMode="auto">
           <a:xfrm rot="13704856">
-            <a:off x="3813790" y="2354690"/>
+            <a:off x="5073790" y="3207397"/>
             <a:ext cx="1260000" cy="360000"/>
           </a:xfrm>
           <a:prstGeom prst="rightArrow">
@@ -20719,94 +19911,79 @@
           <a:chExt cx="0" cy="0"/>
         </a:xfrm>
       </p:grpSpPr>
-      <p:grpSp>
-        <p:nvGrpSpPr>
-          <p:cNvPr id="19" name="Group 18"/>
-          <p:cNvGrpSpPr/>
+      <p:pic>
+        <p:nvPicPr>
+          <p:cNvPr id="3" name="Picture 2">
+            <a:extLst>
+              <a:ext uri="{FF2B5EF4-FFF2-40B4-BE49-F238E27FC236}">
+                <a16:creationId xmlns:a16="http://schemas.microsoft.com/office/drawing/2014/main" id="{59FC58B8-8629-2E9A-2346-15A342274FAD}"/>
+              </a:ext>
+            </a:extLst>
+          </p:cNvPr>
+          <p:cNvPicPr>
+            <a:picLocks noChangeAspect="1"/>
+          </p:cNvPicPr>
           <p:nvPr/>
-        </p:nvGrpSpPr>
-        <p:grpSpPr>
+        </p:nvPicPr>
+        <p:blipFill>
+          <a:blip r:embed="rId3"/>
+          <a:stretch>
+            <a:fillRect/>
+          </a:stretch>
+        </p:blipFill>
+        <p:spPr>
           <a:xfrm>
-            <a:off x="426001" y="1257900"/>
-            <a:ext cx="11340000" cy="5412669"/>
-            <a:chOff x="0" y="1067041"/>
-            <a:chExt cx="12192000" cy="5781959"/>
+            <a:off x="960703" y="1269000"/>
+            <a:ext cx="10270594" cy="5418175"/>
           </a:xfrm>
-        </p:grpSpPr>
-        <p:pic>
-          <p:nvPicPr>
-            <p:cNvPr id="20" name="Picture 19"/>
-            <p:cNvPicPr>
-              <a:picLocks noChangeAspect="1"/>
-            </p:cNvPicPr>
-            <p:nvPr/>
-          </p:nvPicPr>
-          <p:blipFill rotWithShape="1">
-            <a:blip r:embed="rId2">
-              <a:extLst>
-                <a:ext uri="{28A0092B-C50C-407E-A947-70E740481C1C}">
-                  <a14:useLocalDpi xmlns:a14="http://schemas.microsoft.com/office/drawing/2010/main" val="0"/>
-                </a:ext>
-              </a:extLst>
-            </a:blip>
-            <a:srcRect b="15690"/>
-            <a:stretch/>
-          </p:blipFill>
-          <p:spPr>
-            <a:xfrm>
-              <a:off x="0" y="1067041"/>
-              <a:ext cx="12192000" cy="5781959"/>
-            </a:xfrm>
-            <a:prstGeom prst="rect">
-              <a:avLst/>
-            </a:prstGeom>
-            <a:ln>
-              <a:solidFill>
-                <a:schemeClr val="bg2">
-                  <a:lumMod val="75000"/>
-                </a:schemeClr>
-              </a:solidFill>
-            </a:ln>
-          </p:spPr>
-        </p:pic>
-        <p:pic>
-          <p:nvPicPr>
-            <p:cNvPr id="21" name="Picture 20"/>
-            <p:cNvPicPr>
-              <a:picLocks noChangeAspect="1"/>
-            </p:cNvPicPr>
-            <p:nvPr/>
-          </p:nvPicPr>
-          <p:blipFill>
-            <a:blip r:embed="rId3">
-              <a:extLst>
-                <a:ext uri="{28A0092B-C50C-407E-A947-70E740481C1C}">
-                  <a14:useLocalDpi xmlns:a14="http://schemas.microsoft.com/office/drawing/2010/main" val="0"/>
-                </a:ext>
-              </a:extLst>
-            </a:blip>
-            <a:stretch>
-              <a:fillRect/>
-            </a:stretch>
-          </p:blipFill>
-          <p:spPr>
-            <a:xfrm>
-              <a:off x="3283749" y="1512973"/>
-              <a:ext cx="6061952" cy="5314271"/>
-            </a:xfrm>
-            <a:prstGeom prst="rect">
-              <a:avLst/>
-            </a:prstGeom>
-            <a:ln>
-              <a:solidFill>
-                <a:schemeClr val="bg2">
-                  <a:lumMod val="75000"/>
-                </a:schemeClr>
-              </a:solidFill>
-            </a:ln>
-          </p:spPr>
-        </p:pic>
-      </p:grpSp>
+          <a:prstGeom prst="rect">
+            <a:avLst/>
+          </a:prstGeom>
+          <a:ln>
+            <a:solidFill>
+              <a:schemeClr val="bg2">
+                <a:lumMod val="75000"/>
+              </a:schemeClr>
+            </a:solidFill>
+          </a:ln>
+        </p:spPr>
+      </p:pic>
+      <p:pic>
+        <p:nvPicPr>
+          <p:cNvPr id="21" name="Picture 20"/>
+          <p:cNvPicPr>
+            <a:picLocks noChangeAspect="1"/>
+          </p:cNvPicPr>
+          <p:nvPr/>
+        </p:nvPicPr>
+        <p:blipFill>
+          <a:blip r:embed="rId4">
+            <a:extLst>
+              <a:ext uri="{28A0092B-C50C-407E-A947-70E740481C1C}">
+                <a14:useLocalDpi xmlns:a14="http://schemas.microsoft.com/office/drawing/2010/main" val="0"/>
+              </a:ext>
+            </a:extLst>
+          </a:blip>
+          <a:srcRect/>
+          <a:stretch/>
+        </p:blipFill>
+        <p:spPr>
+          <a:xfrm>
+            <a:off x="3564246" y="1490661"/>
+            <a:ext cx="5355095" cy="4974852"/>
+          </a:xfrm>
+          <a:prstGeom prst="rect">
+            <a:avLst/>
+          </a:prstGeom>
+          <a:ln>
+            <a:solidFill>
+              <a:schemeClr val="bg2">
+                <a:lumMod val="75000"/>
+              </a:schemeClr>
+            </a:solidFill>
+          </a:ln>
+        </p:spPr>
+      </p:pic>
       <p:sp>
         <p:nvSpPr>
           <p:cNvPr id="2" name="Slide Number Placeholder 1"/>
@@ -20856,72 +20033,6 @@
       </p:sp>
       <p:sp>
         <p:nvSpPr>
-          <p:cNvPr id="11" name="Rectangle 10"/>
-          <p:cNvSpPr/>
-          <p:nvPr/>
-        </p:nvSpPr>
-        <p:spPr bwMode="auto">
-          <a:xfrm>
-            <a:off x="3592801" y="2359891"/>
-            <a:ext cx="2548199" cy="1362572"/>
-          </a:xfrm>
-          <a:prstGeom prst="rect">
-            <a:avLst/>
-          </a:prstGeom>
-          <a:noFill/>
-          <a:ln w="38100">
-            <a:solidFill>
-              <a:schemeClr val="tx1">
-                <a:lumMod val="75000"/>
-                <a:alpha val="80000"/>
-              </a:schemeClr>
-            </a:solidFill>
-          </a:ln>
-          <a:effectLst/>
-        </p:spPr>
-        <p:style>
-          <a:lnRef idx="2">
-            <a:schemeClr val="accent1">
-              <a:shade val="50000"/>
-            </a:schemeClr>
-          </a:lnRef>
-          <a:fillRef idx="1001">
-            <a:schemeClr val="dk2"/>
-          </a:fillRef>
-          <a:effectRef idx="0">
-            <a:schemeClr val="accent1"/>
-          </a:effectRef>
-          <a:fontRef idx="minor">
-            <a:schemeClr val="lt1"/>
-          </a:fontRef>
-        </p:style>
-        <p:txBody>
-          <a:bodyPr rot="0" spcFirstLastPara="0" vertOverflow="overflow" horzOverflow="overflow" vert="horz" wrap="square" lIns="91440" tIns="45720" rIns="91440" bIns="45720" numCol="1" spcCol="0" rtlCol="0" fromWordArt="0" anchor="ctr" anchorCtr="0" forceAA="0" compatLnSpc="1">
-            <a:prstTxWarp prst="textNoShape">
-              <a:avLst/>
-            </a:prstTxWarp>
-            <a:noAutofit/>
-          </a:bodyPr>
-          <a:lstStyle/>
-          <a:p>
-            <a:pPr algn="ctr"/>
-            <a:endParaRPr lang="en-US" sz="2800" b="1" dirty="0">
-              <a:solidFill>
-                <a:srgbClr val="FFFFFF"/>
-              </a:solidFill>
-              <a:effectLst>
-                <a:outerShdw blurRad="38100" dist="38100" dir="2700000" algn="tl">
-                  <a:srgbClr val="000000">
-                    <a:alpha val="43137"/>
-                  </a:srgbClr>
-                </a:outerShdw>
-              </a:effectLst>
-            </a:endParaRPr>
-          </a:p>
-        </p:txBody>
-      </p:sp>
-      <p:sp>
-        <p:nvSpPr>
           <p:cNvPr id="12" name="Rounded Rectangular Callout 11"/>
           <p:cNvSpPr/>
           <p:nvPr/>
@@ -20933,8 +20044,8 @@
           </a:xfrm>
           <a:prstGeom prst="wedgeRoundRectCallout">
             <a:avLst>
-              <a:gd name="adj1" fmla="val 57649"/>
-              <a:gd name="adj2" fmla="val 114908"/>
+              <a:gd name="adj1" fmla="val 64632"/>
+              <a:gd name="adj2" fmla="val 100625"/>
               <a:gd name="adj3" fmla="val 16667"/>
             </a:avLst>
           </a:prstGeom>
@@ -21011,138 +20122,6 @@
       </p:sp>
       <p:sp>
         <p:nvSpPr>
-          <p:cNvPr id="13" name="Rectangle 12"/>
-          <p:cNvSpPr/>
-          <p:nvPr/>
-        </p:nvSpPr>
-        <p:spPr bwMode="auto">
-          <a:xfrm>
-            <a:off x="3665999" y="3941418"/>
-            <a:ext cx="1028363" cy="226498"/>
-          </a:xfrm>
-          <a:prstGeom prst="rect">
-            <a:avLst/>
-          </a:prstGeom>
-          <a:noFill/>
-          <a:ln w="38100">
-            <a:solidFill>
-              <a:schemeClr val="tx1">
-                <a:lumMod val="75000"/>
-                <a:alpha val="80000"/>
-              </a:schemeClr>
-            </a:solidFill>
-          </a:ln>
-          <a:effectLst/>
-        </p:spPr>
-        <p:style>
-          <a:lnRef idx="2">
-            <a:schemeClr val="accent1">
-              <a:shade val="50000"/>
-            </a:schemeClr>
-          </a:lnRef>
-          <a:fillRef idx="1001">
-            <a:schemeClr val="dk2"/>
-          </a:fillRef>
-          <a:effectRef idx="0">
-            <a:schemeClr val="accent1"/>
-          </a:effectRef>
-          <a:fontRef idx="minor">
-            <a:schemeClr val="lt1"/>
-          </a:fontRef>
-        </p:style>
-        <p:txBody>
-          <a:bodyPr rot="0" spcFirstLastPara="0" vertOverflow="overflow" horzOverflow="overflow" vert="horz" wrap="square" lIns="91440" tIns="45720" rIns="91440" bIns="45720" numCol="1" spcCol="0" rtlCol="0" fromWordArt="0" anchor="ctr" anchorCtr="0" forceAA="0" compatLnSpc="1">
-            <a:prstTxWarp prst="textNoShape">
-              <a:avLst/>
-            </a:prstTxWarp>
-            <a:noAutofit/>
-          </a:bodyPr>
-          <a:lstStyle/>
-          <a:p>
-            <a:pPr algn="ctr"/>
-            <a:endParaRPr lang="en-US" sz="2800" b="1" dirty="0">
-              <a:solidFill>
-                <a:srgbClr val="FFFFFF"/>
-              </a:solidFill>
-              <a:effectLst>
-                <a:outerShdw blurRad="38100" dist="38100" dir="2700000" algn="tl">
-                  <a:srgbClr val="000000">
-                    <a:alpha val="43137"/>
-                  </a:srgbClr>
-                </a:outerShdw>
-              </a:effectLst>
-            </a:endParaRPr>
-          </a:p>
-        </p:txBody>
-      </p:sp>
-      <p:sp>
-        <p:nvSpPr>
-          <p:cNvPr id="14" name="Rectangle 13"/>
-          <p:cNvSpPr/>
-          <p:nvPr/>
-        </p:nvSpPr>
-        <p:spPr bwMode="auto">
-          <a:xfrm>
-            <a:off x="3666000" y="4363312"/>
-            <a:ext cx="1028363" cy="241362"/>
-          </a:xfrm>
-          <a:prstGeom prst="rect">
-            <a:avLst/>
-          </a:prstGeom>
-          <a:noFill/>
-          <a:ln w="38100">
-            <a:solidFill>
-              <a:schemeClr val="tx1">
-                <a:lumMod val="75000"/>
-                <a:alpha val="80000"/>
-              </a:schemeClr>
-            </a:solidFill>
-          </a:ln>
-          <a:effectLst/>
-        </p:spPr>
-        <p:style>
-          <a:lnRef idx="2">
-            <a:schemeClr val="accent1">
-              <a:shade val="50000"/>
-            </a:schemeClr>
-          </a:lnRef>
-          <a:fillRef idx="1001">
-            <a:schemeClr val="dk2"/>
-          </a:fillRef>
-          <a:effectRef idx="0">
-            <a:schemeClr val="accent1"/>
-          </a:effectRef>
-          <a:fontRef idx="minor">
-            <a:schemeClr val="lt1"/>
-          </a:fontRef>
-        </p:style>
-        <p:txBody>
-          <a:bodyPr rot="0" spcFirstLastPara="0" vertOverflow="overflow" horzOverflow="overflow" vert="horz" wrap="square" lIns="91440" tIns="45720" rIns="91440" bIns="45720" numCol="1" spcCol="0" rtlCol="0" fromWordArt="0" anchor="ctr" anchorCtr="0" forceAA="0" compatLnSpc="1">
-            <a:prstTxWarp prst="textNoShape">
-              <a:avLst/>
-            </a:prstTxWarp>
-            <a:noAutofit/>
-          </a:bodyPr>
-          <a:lstStyle/>
-          <a:p>
-            <a:pPr algn="ctr"/>
-            <a:endParaRPr lang="en-US" sz="2800" b="1" dirty="0">
-              <a:solidFill>
-                <a:srgbClr val="FFFFFF"/>
-              </a:solidFill>
-              <a:effectLst>
-                <a:outerShdw blurRad="38100" dist="38100" dir="2700000" algn="tl">
-                  <a:srgbClr val="000000">
-                    <a:alpha val="43137"/>
-                  </a:srgbClr>
-                </a:outerShdw>
-              </a:effectLst>
-            </a:endParaRPr>
-          </a:p>
-        </p:txBody>
-      </p:sp>
-      <p:sp>
-        <p:nvSpPr>
           <p:cNvPr id="15" name="Rounded Rectangular Callout 14"/>
           <p:cNvSpPr/>
           <p:nvPr/>
@@ -21154,8 +20133,8 @@
           </a:xfrm>
           <a:prstGeom prst="wedgeRoundRectCallout">
             <a:avLst>
-              <a:gd name="adj1" fmla="val 92511"/>
-              <a:gd name="adj2" fmla="val 83705"/>
+              <a:gd name="adj1" fmla="val 102112"/>
+              <a:gd name="adj2" fmla="val 59900"/>
               <a:gd name="adj3" fmla="val 16667"/>
             </a:avLst>
           </a:prstGeom>
@@ -21238,13 +20217,13 @@
         </p:nvSpPr>
         <p:spPr bwMode="auto">
           <a:xfrm>
-            <a:off x="657467" y="3979139"/>
+            <a:off x="684828" y="4056394"/>
             <a:ext cx="2255299" cy="990000"/>
           </a:xfrm>
           <a:prstGeom prst="wedgeRoundRectCallout">
             <a:avLst>
-              <a:gd name="adj1" fmla="val 79447"/>
-              <a:gd name="adj2" fmla="val 1868"/>
+              <a:gd name="adj1" fmla="val 87389"/>
+              <a:gd name="adj2" fmla="val -34316"/>
               <a:gd name="adj3" fmla="val 16667"/>
             </a:avLst>
           </a:prstGeom>
@@ -21321,85 +20300,19 @@
       </p:sp>
       <p:sp>
         <p:nvSpPr>
-          <p:cNvPr id="17" name="Rectangle 16"/>
-          <p:cNvSpPr/>
-          <p:nvPr/>
-        </p:nvSpPr>
-        <p:spPr bwMode="auto">
-          <a:xfrm>
-            <a:off x="7671001" y="2382324"/>
-            <a:ext cx="1260000" cy="1901676"/>
-          </a:xfrm>
-          <a:prstGeom prst="rect">
-            <a:avLst/>
-          </a:prstGeom>
-          <a:noFill/>
-          <a:ln w="38100">
-            <a:solidFill>
-              <a:schemeClr val="tx1">
-                <a:lumMod val="75000"/>
-                <a:alpha val="80000"/>
-              </a:schemeClr>
-            </a:solidFill>
-          </a:ln>
-          <a:effectLst/>
-        </p:spPr>
-        <p:style>
-          <a:lnRef idx="2">
-            <a:schemeClr val="accent1">
-              <a:shade val="50000"/>
-            </a:schemeClr>
-          </a:lnRef>
-          <a:fillRef idx="1001">
-            <a:schemeClr val="dk2"/>
-          </a:fillRef>
-          <a:effectRef idx="0">
-            <a:schemeClr val="accent1"/>
-          </a:effectRef>
-          <a:fontRef idx="minor">
-            <a:schemeClr val="lt1"/>
-          </a:fontRef>
-        </p:style>
-        <p:txBody>
-          <a:bodyPr rot="0" spcFirstLastPara="0" vertOverflow="overflow" horzOverflow="overflow" vert="horz" wrap="square" lIns="91440" tIns="45720" rIns="91440" bIns="45720" numCol="1" spcCol="0" rtlCol="0" fromWordArt="0" anchor="ctr" anchorCtr="0" forceAA="0" compatLnSpc="1">
-            <a:prstTxWarp prst="textNoShape">
-              <a:avLst/>
-            </a:prstTxWarp>
-            <a:noAutofit/>
-          </a:bodyPr>
-          <a:lstStyle/>
-          <a:p>
-            <a:pPr algn="ctr"/>
-            <a:endParaRPr lang="en-US" sz="2800" b="1" dirty="0">
-              <a:solidFill>
-                <a:srgbClr val="FFFFFF"/>
-              </a:solidFill>
-              <a:effectLst>
-                <a:outerShdw blurRad="38100" dist="38100" dir="2700000" algn="tl">
-                  <a:srgbClr val="000000">
-                    <a:alpha val="43137"/>
-                  </a:srgbClr>
-                </a:outerShdw>
-              </a:effectLst>
-            </a:endParaRPr>
-          </a:p>
-        </p:txBody>
-      </p:sp>
-      <p:sp>
-        <p:nvSpPr>
           <p:cNvPr id="18" name="Rounded Rectangular Callout 17"/>
           <p:cNvSpPr/>
           <p:nvPr/>
         </p:nvSpPr>
         <p:spPr bwMode="auto">
           <a:xfrm>
-            <a:off x="9458004" y="1877087"/>
-            <a:ext cx="2255299" cy="990000"/>
+            <a:off x="9458004" y="1764000"/>
+            <a:ext cx="2397412" cy="1103087"/>
           </a:xfrm>
           <a:prstGeom prst="wedgeRoundRectCallout">
             <a:avLst>
-              <a:gd name="adj1" fmla="val -65572"/>
-              <a:gd name="adj2" fmla="val 112305"/>
+              <a:gd name="adj1" fmla="val -84381"/>
+              <a:gd name="adj2" fmla="val 93261"/>
               <a:gd name="adj3" fmla="val 16667"/>
             </a:avLst>
           </a:prstGeom>
@@ -21526,7 +20439,7 @@
                                           </p:stCondLst>
                                         </p:cTn>
                                         <p:tgtEl>
-                                          <p:spTgt spid="11"/>
+                                          <p:spTgt spid="12"/>
                                         </p:tgtEl>
                                         <p:attrNameLst>
                                           <p:attrName>style.visibility</p:attrName>
@@ -21571,7 +20484,7 @@
                                           </p:stCondLst>
                                         </p:cTn>
                                         <p:tgtEl>
-                                          <p:spTgt spid="12"/>
+                                          <p:spTgt spid="15"/>
                                         </p:tgtEl>
                                         <p:attrNameLst>
                                           <p:attrName>style.visibility</p:attrName>
@@ -21616,7 +20529,7 @@
                                           </p:stCondLst>
                                         </p:cTn>
                                         <p:tgtEl>
-                                          <p:spTgt spid="13"/>
+                                          <p:spTgt spid="16"/>
                                         </p:tgtEl>
                                         <p:attrNameLst>
                                           <p:attrName>style.visibility</p:attrName>
@@ -21656,186 +20569,6 @@
                                     <p:set>
                                       <p:cBhvr>
                                         <p:cTn id="18" dur="1" fill="hold">
-                                          <p:stCondLst>
-                                            <p:cond delay="0"/>
-                                          </p:stCondLst>
-                                        </p:cTn>
-                                        <p:tgtEl>
-                                          <p:spTgt spid="15"/>
-                                        </p:tgtEl>
-                                        <p:attrNameLst>
-                                          <p:attrName>style.visibility</p:attrName>
-                                        </p:attrNameLst>
-                                      </p:cBhvr>
-                                      <p:to>
-                                        <p:strVal val="visible"/>
-                                      </p:to>
-                                    </p:set>
-                                  </p:childTnLst>
-                                </p:cTn>
-                              </p:par>
-                            </p:childTnLst>
-                          </p:cTn>
-                        </p:par>
-                      </p:childTnLst>
-                    </p:cTn>
-                  </p:par>
-                  <p:par>
-                    <p:cTn id="19" fill="hold">
-                      <p:stCondLst>
-                        <p:cond delay="indefinite"/>
-                      </p:stCondLst>
-                      <p:childTnLst>
-                        <p:par>
-                          <p:cTn id="20" fill="hold">
-                            <p:stCondLst>
-                              <p:cond delay="0"/>
-                            </p:stCondLst>
-                            <p:childTnLst>
-                              <p:par>
-                                <p:cTn id="21" presetID="1" presetClass="entr" presetSubtype="0" fill="hold" grpId="0" nodeType="clickEffect">
-                                  <p:stCondLst>
-                                    <p:cond delay="0"/>
-                                  </p:stCondLst>
-                                  <p:childTnLst>
-                                    <p:set>
-                                      <p:cBhvr>
-                                        <p:cTn id="22" dur="1" fill="hold">
-                                          <p:stCondLst>
-                                            <p:cond delay="0"/>
-                                          </p:stCondLst>
-                                        </p:cTn>
-                                        <p:tgtEl>
-                                          <p:spTgt spid="14"/>
-                                        </p:tgtEl>
-                                        <p:attrNameLst>
-                                          <p:attrName>style.visibility</p:attrName>
-                                        </p:attrNameLst>
-                                      </p:cBhvr>
-                                      <p:to>
-                                        <p:strVal val="visible"/>
-                                      </p:to>
-                                    </p:set>
-                                  </p:childTnLst>
-                                </p:cTn>
-                              </p:par>
-                            </p:childTnLst>
-                          </p:cTn>
-                        </p:par>
-                      </p:childTnLst>
-                    </p:cTn>
-                  </p:par>
-                  <p:par>
-                    <p:cTn id="23" fill="hold">
-                      <p:stCondLst>
-                        <p:cond delay="indefinite"/>
-                      </p:stCondLst>
-                      <p:childTnLst>
-                        <p:par>
-                          <p:cTn id="24" fill="hold">
-                            <p:stCondLst>
-                              <p:cond delay="0"/>
-                            </p:stCondLst>
-                            <p:childTnLst>
-                              <p:par>
-                                <p:cTn id="25" presetID="1" presetClass="entr" presetSubtype="0" fill="hold" grpId="0" nodeType="clickEffect">
-                                  <p:stCondLst>
-                                    <p:cond delay="0"/>
-                                  </p:stCondLst>
-                                  <p:childTnLst>
-                                    <p:set>
-                                      <p:cBhvr>
-                                        <p:cTn id="26" dur="1" fill="hold">
-                                          <p:stCondLst>
-                                            <p:cond delay="0"/>
-                                          </p:stCondLst>
-                                        </p:cTn>
-                                        <p:tgtEl>
-                                          <p:spTgt spid="16"/>
-                                        </p:tgtEl>
-                                        <p:attrNameLst>
-                                          <p:attrName>style.visibility</p:attrName>
-                                        </p:attrNameLst>
-                                      </p:cBhvr>
-                                      <p:to>
-                                        <p:strVal val="visible"/>
-                                      </p:to>
-                                    </p:set>
-                                  </p:childTnLst>
-                                </p:cTn>
-                              </p:par>
-                            </p:childTnLst>
-                          </p:cTn>
-                        </p:par>
-                      </p:childTnLst>
-                    </p:cTn>
-                  </p:par>
-                  <p:par>
-                    <p:cTn id="27" fill="hold">
-                      <p:stCondLst>
-                        <p:cond delay="indefinite"/>
-                      </p:stCondLst>
-                      <p:childTnLst>
-                        <p:par>
-                          <p:cTn id="28" fill="hold">
-                            <p:stCondLst>
-                              <p:cond delay="0"/>
-                            </p:stCondLst>
-                            <p:childTnLst>
-                              <p:par>
-                                <p:cTn id="29" presetID="1" presetClass="entr" presetSubtype="0" fill="hold" grpId="0" nodeType="clickEffect">
-                                  <p:stCondLst>
-                                    <p:cond delay="0"/>
-                                  </p:stCondLst>
-                                  <p:childTnLst>
-                                    <p:set>
-                                      <p:cBhvr>
-                                        <p:cTn id="30" dur="1" fill="hold">
-                                          <p:stCondLst>
-                                            <p:cond delay="0"/>
-                                          </p:stCondLst>
-                                        </p:cTn>
-                                        <p:tgtEl>
-                                          <p:spTgt spid="17"/>
-                                        </p:tgtEl>
-                                        <p:attrNameLst>
-                                          <p:attrName>style.visibility</p:attrName>
-                                        </p:attrNameLst>
-                                      </p:cBhvr>
-                                      <p:to>
-                                        <p:strVal val="visible"/>
-                                      </p:to>
-                                    </p:set>
-                                  </p:childTnLst>
-                                </p:cTn>
-                              </p:par>
-                            </p:childTnLst>
-                          </p:cTn>
-                        </p:par>
-                      </p:childTnLst>
-                    </p:cTn>
-                  </p:par>
-                  <p:par>
-                    <p:cTn id="31" fill="hold">
-                      <p:stCondLst>
-                        <p:cond delay="indefinite"/>
-                      </p:stCondLst>
-                      <p:childTnLst>
-                        <p:par>
-                          <p:cTn id="32" fill="hold">
-                            <p:stCondLst>
-                              <p:cond delay="0"/>
-                            </p:stCondLst>
-                            <p:childTnLst>
-                              <p:par>
-                                <p:cTn id="33" presetID="1" presetClass="entr" presetSubtype="0" fill="hold" grpId="0" nodeType="clickEffect">
-                                  <p:stCondLst>
-                                    <p:cond delay="0"/>
-                                  </p:stCondLst>
-                                  <p:childTnLst>
-                                    <p:set>
-                                      <p:cBhvr>
-                                        <p:cTn id="34" dur="1" fill="hold">
                                           <p:stCondLst>
                                             <p:cond delay="0"/>
                                           </p:stCondLst>
@@ -21882,13 +20615,9 @@
       </p:par>
     </p:tnLst>
     <p:bldLst>
-      <p:bldP spid="11" grpId="0" animBg="1"/>
       <p:bldP spid="12" grpId="0" animBg="1"/>
-      <p:bldP spid="13" grpId="0" animBg="1"/>
-      <p:bldP spid="14" grpId="0" animBg="1"/>
       <p:bldP spid="15" grpId="0" animBg="1"/>
       <p:bldP spid="16" grpId="0" animBg="1"/>
-      <p:bldP spid="17" grpId="0" animBg="1"/>
       <p:bldP spid="18" grpId="0" animBg="1"/>
     </p:bldLst>
   </p:timing>
